--- a/documentation/Architecture.pptx
+++ b/documentation/Architecture.pptx
@@ -8,6 +8,7 @@
     <p:sldId id="257" r:id="rId2"/>
     <p:sldId id="259" r:id="rId3"/>
     <p:sldId id="258" r:id="rId4"/>
+    <p:sldId id="260" r:id="rId5"/>
   </p:sldIdLst>
   <p:sldSz cx="12192000" cy="6858000"/>
   <p:notesSz cx="6858000" cy="9144000"/>
@@ -106,6 +107,11 @@
       </a:defRPr>
     </a:lvl9pPr>
   </p:defaultTextStyle>
+  <p:extLst>
+    <p:ext uri="{EFAFB233-063F-42B5-8137-9DF3F51BA10A}">
+      <p15:sldGuideLst xmlns:p15="http://schemas.microsoft.com/office/powerpoint/2012/main"/>
+    </p:ext>
+  </p:extLst>
 </p:presentation>
 </file>
 
@@ -256,7 +262,7 @@
           <a:p>
             <a:fld id="{2FADB740-130C-40E2-9E3D-8BF44594D57F}" type="datetimeFigureOut">
               <a:rPr lang="fr-FR" smtClean="0"/>
-              <a:t>11/10/2024</a:t>
+              <a:t>30/10/2024</a:t>
             </a:fld>
             <a:endParaRPr lang="fr-FR"/>
           </a:p>
@@ -454,7 +460,7 @@
           <a:p>
             <a:fld id="{2FADB740-130C-40E2-9E3D-8BF44594D57F}" type="datetimeFigureOut">
               <a:rPr lang="fr-FR" smtClean="0"/>
-              <a:t>11/10/2024</a:t>
+              <a:t>30/10/2024</a:t>
             </a:fld>
             <a:endParaRPr lang="fr-FR"/>
           </a:p>
@@ -662,7 +668,7 @@
           <a:p>
             <a:fld id="{2FADB740-130C-40E2-9E3D-8BF44594D57F}" type="datetimeFigureOut">
               <a:rPr lang="fr-FR" smtClean="0"/>
-              <a:t>11/10/2024</a:t>
+              <a:t>30/10/2024</a:t>
             </a:fld>
             <a:endParaRPr lang="fr-FR"/>
           </a:p>
@@ -860,7 +866,7 @@
           <a:p>
             <a:fld id="{2FADB740-130C-40E2-9E3D-8BF44594D57F}" type="datetimeFigureOut">
               <a:rPr lang="fr-FR" smtClean="0"/>
-              <a:t>11/10/2024</a:t>
+              <a:t>30/10/2024</a:t>
             </a:fld>
             <a:endParaRPr lang="fr-FR"/>
           </a:p>
@@ -1135,7 +1141,7 @@
           <a:p>
             <a:fld id="{2FADB740-130C-40E2-9E3D-8BF44594D57F}" type="datetimeFigureOut">
               <a:rPr lang="fr-FR" smtClean="0"/>
-              <a:t>11/10/2024</a:t>
+              <a:t>30/10/2024</a:t>
             </a:fld>
             <a:endParaRPr lang="fr-FR"/>
           </a:p>
@@ -1400,7 +1406,7 @@
           <a:p>
             <a:fld id="{2FADB740-130C-40E2-9E3D-8BF44594D57F}" type="datetimeFigureOut">
               <a:rPr lang="fr-FR" smtClean="0"/>
-              <a:t>11/10/2024</a:t>
+              <a:t>30/10/2024</a:t>
             </a:fld>
             <a:endParaRPr lang="fr-FR"/>
           </a:p>
@@ -1812,7 +1818,7 @@
           <a:p>
             <a:fld id="{2FADB740-130C-40E2-9E3D-8BF44594D57F}" type="datetimeFigureOut">
               <a:rPr lang="fr-FR" smtClean="0"/>
-              <a:t>11/10/2024</a:t>
+              <a:t>30/10/2024</a:t>
             </a:fld>
             <a:endParaRPr lang="fr-FR"/>
           </a:p>
@@ -1953,7 +1959,7 @@
           <a:p>
             <a:fld id="{2FADB740-130C-40E2-9E3D-8BF44594D57F}" type="datetimeFigureOut">
               <a:rPr lang="fr-FR" smtClean="0"/>
-              <a:t>11/10/2024</a:t>
+              <a:t>30/10/2024</a:t>
             </a:fld>
             <a:endParaRPr lang="fr-FR"/>
           </a:p>
@@ -2066,7 +2072,7 @@
           <a:p>
             <a:fld id="{2FADB740-130C-40E2-9E3D-8BF44594D57F}" type="datetimeFigureOut">
               <a:rPr lang="fr-FR" smtClean="0"/>
-              <a:t>11/10/2024</a:t>
+              <a:t>30/10/2024</a:t>
             </a:fld>
             <a:endParaRPr lang="fr-FR"/>
           </a:p>
@@ -2377,7 +2383,7 @@
           <a:p>
             <a:fld id="{2FADB740-130C-40E2-9E3D-8BF44594D57F}" type="datetimeFigureOut">
               <a:rPr lang="fr-FR" smtClean="0"/>
-              <a:t>11/10/2024</a:t>
+              <a:t>30/10/2024</a:t>
             </a:fld>
             <a:endParaRPr lang="fr-FR"/>
           </a:p>
@@ -2665,7 +2671,7 @@
           <a:p>
             <a:fld id="{2FADB740-130C-40E2-9E3D-8BF44594D57F}" type="datetimeFigureOut">
               <a:rPr lang="fr-FR" smtClean="0"/>
-              <a:t>11/10/2024</a:t>
+              <a:t>30/10/2024</a:t>
             </a:fld>
             <a:endParaRPr lang="fr-FR"/>
           </a:p>
@@ -2906,7 +2912,7 @@
           <a:p>
             <a:fld id="{2FADB740-130C-40E2-9E3D-8BF44594D57F}" type="datetimeFigureOut">
               <a:rPr lang="fr-FR" smtClean="0"/>
-              <a:t>11/10/2024</a:t>
+              <a:t>30/10/2024</a:t>
             </a:fld>
             <a:endParaRPr lang="fr-FR"/>
           </a:p>
@@ -5224,6 +5230,1290 @@
 </p:sld>
 </file>
 
+<file path=ppt/slides/slide4.xml><?xml version="1.0" encoding="utf-8"?>
+<p:sld xmlns:a="http://schemas.openxmlformats.org/drawingml/2006/main" xmlns:r="http://schemas.openxmlformats.org/officeDocument/2006/relationships" xmlns:p="http://schemas.openxmlformats.org/presentationml/2006/main">
+  <p:cSld>
+    <p:spTree>
+      <p:nvGrpSpPr>
+        <p:cNvPr id="1" name="">
+          <a:extLst>
+            <a:ext uri="{FF2B5EF4-FFF2-40B4-BE49-F238E27FC236}">
+              <a16:creationId xmlns:a16="http://schemas.microsoft.com/office/drawing/2014/main" id="{ACFFE0A9-408A-C8BC-D365-ED2D78CAC7A0}"/>
+            </a:ext>
+          </a:extLst>
+        </p:cNvPr>
+        <p:cNvGrpSpPr/>
+        <p:nvPr/>
+      </p:nvGrpSpPr>
+      <p:grpSpPr>
+        <a:xfrm>
+          <a:off x="0" y="0"/>
+          <a:ext cx="0" cy="0"/>
+          <a:chOff x="0" y="0"/>
+          <a:chExt cx="0" cy="0"/>
+        </a:xfrm>
+      </p:grpSpPr>
+      <p:sp>
+        <p:nvSpPr>
+          <p:cNvPr id="4" name="Rectangle 3">
+            <a:extLst>
+              <a:ext uri="{FF2B5EF4-FFF2-40B4-BE49-F238E27FC236}">
+                <a16:creationId xmlns:a16="http://schemas.microsoft.com/office/drawing/2014/main" id="{E34D4847-A28E-74B0-B3C0-0894B21751D1}"/>
+              </a:ext>
+            </a:extLst>
+          </p:cNvPr>
+          <p:cNvSpPr/>
+          <p:nvPr/>
+        </p:nvSpPr>
+        <p:spPr>
+          <a:xfrm>
+            <a:off x="4430924" y="2383055"/>
+            <a:ext cx="1030942" cy="735106"/>
+          </a:xfrm>
+          <a:prstGeom prst="rect">
+            <a:avLst/>
+          </a:prstGeom>
+        </p:spPr>
+        <p:style>
+          <a:lnRef idx="2">
+            <a:schemeClr val="accent1">
+              <a:shade val="15000"/>
+            </a:schemeClr>
+          </a:lnRef>
+          <a:fillRef idx="1">
+            <a:schemeClr val="accent1"/>
+          </a:fillRef>
+          <a:effectRef idx="0">
+            <a:schemeClr val="accent1"/>
+          </a:effectRef>
+          <a:fontRef idx="minor">
+            <a:schemeClr val="lt1"/>
+          </a:fontRef>
+        </p:style>
+        <p:txBody>
+          <a:bodyPr rtlCol="0" anchor="ctr"/>
+          <a:lstStyle/>
+          <a:p>
+            <a:pPr algn="ctr"/>
+            <a:r>
+              <a:rPr lang="fr-FR" dirty="0"/>
+              <a:t>API Fast API</a:t>
+            </a:r>
+          </a:p>
+        </p:txBody>
+      </p:sp>
+      <p:sp>
+        <p:nvSpPr>
+          <p:cNvPr id="10" name="Rectangle 9">
+            <a:extLst>
+              <a:ext uri="{FF2B5EF4-FFF2-40B4-BE49-F238E27FC236}">
+                <a16:creationId xmlns:a16="http://schemas.microsoft.com/office/drawing/2014/main" id="{8A294410-F1E0-FD71-A5B9-C43B387BD06E}"/>
+              </a:ext>
+            </a:extLst>
+          </p:cNvPr>
+          <p:cNvSpPr/>
+          <p:nvPr/>
+        </p:nvSpPr>
+        <p:spPr>
+          <a:xfrm>
+            <a:off x="3729317" y="520407"/>
+            <a:ext cx="8273385" cy="5851518"/>
+          </a:xfrm>
+          <a:prstGeom prst="rect">
+            <a:avLst/>
+          </a:prstGeom>
+          <a:noFill/>
+          <a:ln w="38100">
+            <a:solidFill>
+              <a:srgbClr val="C00000"/>
+            </a:solidFill>
+          </a:ln>
+        </p:spPr>
+        <p:style>
+          <a:lnRef idx="2">
+            <a:schemeClr val="accent1">
+              <a:shade val="15000"/>
+            </a:schemeClr>
+          </a:lnRef>
+          <a:fillRef idx="1">
+            <a:schemeClr val="accent1"/>
+          </a:fillRef>
+          <a:effectRef idx="0">
+            <a:schemeClr val="accent1"/>
+          </a:effectRef>
+          <a:fontRef idx="minor">
+            <a:schemeClr val="lt1"/>
+          </a:fontRef>
+        </p:style>
+        <p:txBody>
+          <a:bodyPr rtlCol="0" anchor="ctr"/>
+          <a:lstStyle/>
+          <a:p>
+            <a:pPr algn="ctr"/>
+            <a:endParaRPr lang="fr-FR"/>
+          </a:p>
+        </p:txBody>
+      </p:sp>
+      <p:sp>
+        <p:nvSpPr>
+          <p:cNvPr id="11" name="ZoneTexte 10">
+            <a:extLst>
+              <a:ext uri="{FF2B5EF4-FFF2-40B4-BE49-F238E27FC236}">
+                <a16:creationId xmlns:a16="http://schemas.microsoft.com/office/drawing/2014/main" id="{BB1826B3-9E91-ACC1-5095-0BE05AC6C41D}"/>
+              </a:ext>
+            </a:extLst>
+          </p:cNvPr>
+          <p:cNvSpPr txBox="1"/>
+          <p:nvPr/>
+        </p:nvSpPr>
+        <p:spPr>
+          <a:xfrm>
+            <a:off x="3722990" y="565158"/>
+            <a:ext cx="3730060" cy="369332"/>
+          </a:xfrm>
+          <a:prstGeom prst="rect">
+            <a:avLst/>
+          </a:prstGeom>
+          <a:noFill/>
+        </p:spPr>
+        <p:txBody>
+          <a:bodyPr wrap="none" rtlCol="0">
+            <a:spAutoFit/>
+          </a:bodyPr>
+          <a:lstStyle/>
+          <a:p>
+            <a:r>
+              <a:rPr lang="fr-FR" dirty="0"/>
+              <a:t>Namespace Kubernetes : poc-whipser</a:t>
+            </a:r>
+          </a:p>
+        </p:txBody>
+      </p:sp>
+      <p:sp>
+        <p:nvSpPr>
+          <p:cNvPr id="12" name="Rectangle 11">
+            <a:extLst>
+              <a:ext uri="{FF2B5EF4-FFF2-40B4-BE49-F238E27FC236}">
+                <a16:creationId xmlns:a16="http://schemas.microsoft.com/office/drawing/2014/main" id="{5D707E34-189B-BB01-7CEE-293F3D8D2710}"/>
+              </a:ext>
+            </a:extLst>
+          </p:cNvPr>
+          <p:cNvSpPr/>
+          <p:nvPr/>
+        </p:nvSpPr>
+        <p:spPr>
+          <a:xfrm>
+            <a:off x="325536" y="2107933"/>
+            <a:ext cx="875898" cy="1321067"/>
+          </a:xfrm>
+          <a:prstGeom prst="rect">
+            <a:avLst/>
+          </a:prstGeom>
+        </p:spPr>
+        <p:style>
+          <a:lnRef idx="2">
+            <a:schemeClr val="accent1">
+              <a:shade val="15000"/>
+            </a:schemeClr>
+          </a:lnRef>
+          <a:fillRef idx="1">
+            <a:schemeClr val="accent1"/>
+          </a:fillRef>
+          <a:effectRef idx="0">
+            <a:schemeClr val="accent1"/>
+          </a:effectRef>
+          <a:fontRef idx="minor">
+            <a:schemeClr val="lt1"/>
+          </a:fontRef>
+        </p:style>
+        <p:txBody>
+          <a:bodyPr rtlCol="0" anchor="ctr"/>
+          <a:lstStyle/>
+          <a:p>
+            <a:pPr algn="ctr"/>
+            <a:r>
+              <a:rPr lang="fr-FR" dirty="0"/>
+              <a:t>User App</a:t>
+            </a:r>
+          </a:p>
+        </p:txBody>
+      </p:sp>
+      <p:cxnSp>
+        <p:nvCxnSpPr>
+          <p:cNvPr id="14" name="Connecteur droit avec flèche 13">
+            <a:extLst>
+              <a:ext uri="{FF2B5EF4-FFF2-40B4-BE49-F238E27FC236}">
+                <a16:creationId xmlns:a16="http://schemas.microsoft.com/office/drawing/2014/main" id="{1B76673F-74B0-4C62-7383-0CF59AA4257A}"/>
+              </a:ext>
+            </a:extLst>
+          </p:cNvPr>
+          <p:cNvCxnSpPr>
+            <a:cxnSpLocks/>
+          </p:cNvCxnSpPr>
+          <p:nvPr/>
+        </p:nvCxnSpPr>
+        <p:spPr>
+          <a:xfrm>
+            <a:off x="1216676" y="2554846"/>
+            <a:ext cx="3214248" cy="0"/>
+          </a:xfrm>
+          <a:prstGeom prst="straightConnector1">
+            <a:avLst/>
+          </a:prstGeom>
+          <a:ln w="25400">
+            <a:solidFill>
+              <a:srgbClr val="00B050"/>
+            </a:solidFill>
+            <a:headEnd type="none"/>
+            <a:tailEnd type="triangle"/>
+          </a:ln>
+        </p:spPr>
+        <p:style>
+          <a:lnRef idx="1">
+            <a:schemeClr val="accent1"/>
+          </a:lnRef>
+          <a:fillRef idx="0">
+            <a:schemeClr val="accent1"/>
+          </a:fillRef>
+          <a:effectRef idx="0">
+            <a:schemeClr val="accent1"/>
+          </a:effectRef>
+          <a:fontRef idx="minor">
+            <a:schemeClr val="tx1"/>
+          </a:fontRef>
+        </p:style>
+      </p:cxnSp>
+      <p:sp>
+        <p:nvSpPr>
+          <p:cNvPr id="15" name="ZoneTexte 14">
+            <a:extLst>
+              <a:ext uri="{FF2B5EF4-FFF2-40B4-BE49-F238E27FC236}">
+                <a16:creationId xmlns:a16="http://schemas.microsoft.com/office/drawing/2014/main" id="{D4D40D43-3F41-A49E-EF3E-E0858B88B7F0}"/>
+              </a:ext>
+            </a:extLst>
+          </p:cNvPr>
+          <p:cNvSpPr txBox="1"/>
+          <p:nvPr/>
+        </p:nvSpPr>
+        <p:spPr>
+          <a:xfrm>
+            <a:off x="1497318" y="3229769"/>
+            <a:ext cx="1916807" cy="369332"/>
+          </a:xfrm>
+          <a:prstGeom prst="rect">
+            <a:avLst/>
+          </a:prstGeom>
+          <a:noFill/>
+        </p:spPr>
+        <p:txBody>
+          <a:bodyPr wrap="square" rtlCol="0">
+            <a:spAutoFit/>
+          </a:bodyPr>
+          <a:lstStyle/>
+          <a:p>
+            <a:r>
+              <a:rPr lang="fr-FR" dirty="0"/>
+              <a:t>HTTP </a:t>
+            </a:r>
+            <a:r>
+              <a:rPr lang="fr-FR" dirty="0" err="1"/>
+              <a:t>EventSource</a:t>
+            </a:r>
+            <a:r>
+              <a:rPr lang="fr-FR" dirty="0"/>
+              <a:t> </a:t>
+            </a:r>
+          </a:p>
+        </p:txBody>
+      </p:sp>
+      <p:sp>
+        <p:nvSpPr>
+          <p:cNvPr id="3" name="ZoneTexte 2">
+            <a:extLst>
+              <a:ext uri="{FF2B5EF4-FFF2-40B4-BE49-F238E27FC236}">
+                <a16:creationId xmlns:a16="http://schemas.microsoft.com/office/drawing/2014/main" id="{8B237044-491F-C433-266D-9ADC28F6317F}"/>
+              </a:ext>
+            </a:extLst>
+          </p:cNvPr>
+          <p:cNvSpPr txBox="1"/>
+          <p:nvPr/>
+        </p:nvSpPr>
+        <p:spPr>
+          <a:xfrm>
+            <a:off x="52092" y="-2814"/>
+            <a:ext cx="3677225" cy="523220"/>
+          </a:xfrm>
+          <a:prstGeom prst="rect">
+            <a:avLst/>
+          </a:prstGeom>
+          <a:noFill/>
+        </p:spPr>
+        <p:txBody>
+          <a:bodyPr wrap="none" rtlCol="0">
+            <a:spAutoFit/>
+          </a:bodyPr>
+          <a:lstStyle/>
+          <a:p>
+            <a:r>
+              <a:rPr lang="fr-FR" sz="2800" dirty="0"/>
+              <a:t>Production Architecture</a:t>
+            </a:r>
+          </a:p>
+        </p:txBody>
+      </p:sp>
+      <p:sp>
+        <p:nvSpPr>
+          <p:cNvPr id="27" name="Rectangle 26">
+            <a:extLst>
+              <a:ext uri="{FF2B5EF4-FFF2-40B4-BE49-F238E27FC236}">
+                <a16:creationId xmlns:a16="http://schemas.microsoft.com/office/drawing/2014/main" id="{57454060-7EB3-EB57-5EB6-883CA1D0DED4}"/>
+              </a:ext>
+            </a:extLst>
+          </p:cNvPr>
+          <p:cNvSpPr/>
+          <p:nvPr/>
+        </p:nvSpPr>
+        <p:spPr>
+          <a:xfrm>
+            <a:off x="7031780" y="2402863"/>
+            <a:ext cx="1030942" cy="735106"/>
+          </a:xfrm>
+          <a:prstGeom prst="rect">
+            <a:avLst/>
+          </a:prstGeom>
+        </p:spPr>
+        <p:style>
+          <a:lnRef idx="2">
+            <a:schemeClr val="accent1">
+              <a:shade val="15000"/>
+            </a:schemeClr>
+          </a:lnRef>
+          <a:fillRef idx="1">
+            <a:schemeClr val="accent1"/>
+          </a:fillRef>
+          <a:effectRef idx="0">
+            <a:schemeClr val="accent1"/>
+          </a:effectRef>
+          <a:fontRef idx="minor">
+            <a:schemeClr val="lt1"/>
+          </a:fontRef>
+        </p:style>
+        <p:txBody>
+          <a:bodyPr rtlCol="0" anchor="ctr"/>
+          <a:lstStyle/>
+          <a:p>
+            <a:pPr algn="ctr"/>
+            <a:r>
+              <a:rPr lang="fr-FR" dirty="0" err="1"/>
+              <a:t>Slimfass</a:t>
+            </a:r>
+            <a:endParaRPr lang="fr-FR" dirty="0"/>
+          </a:p>
+        </p:txBody>
+      </p:sp>
+      <p:sp>
+        <p:nvSpPr>
+          <p:cNvPr id="29" name="Rectangle 28">
+            <a:extLst>
+              <a:ext uri="{FF2B5EF4-FFF2-40B4-BE49-F238E27FC236}">
+                <a16:creationId xmlns:a16="http://schemas.microsoft.com/office/drawing/2014/main" id="{5C6904B0-222B-60CE-ADBC-111D0AFC6771}"/>
+              </a:ext>
+            </a:extLst>
+          </p:cNvPr>
+          <p:cNvSpPr/>
+          <p:nvPr/>
+        </p:nvSpPr>
+        <p:spPr>
+          <a:xfrm>
+            <a:off x="9375962" y="1319160"/>
+            <a:ext cx="1030942" cy="735106"/>
+          </a:xfrm>
+          <a:prstGeom prst="rect">
+            <a:avLst/>
+          </a:prstGeom>
+        </p:spPr>
+        <p:style>
+          <a:lnRef idx="2">
+            <a:schemeClr val="accent1">
+              <a:shade val="15000"/>
+            </a:schemeClr>
+          </a:lnRef>
+          <a:fillRef idx="1">
+            <a:schemeClr val="accent1"/>
+          </a:fillRef>
+          <a:effectRef idx="0">
+            <a:schemeClr val="accent1"/>
+          </a:effectRef>
+          <a:fontRef idx="minor">
+            <a:schemeClr val="lt1"/>
+          </a:fontRef>
+        </p:style>
+        <p:txBody>
+          <a:bodyPr rtlCol="0" anchor="ctr"/>
+          <a:lstStyle/>
+          <a:p>
+            <a:pPr algn="ctr"/>
+            <a:r>
+              <a:rPr lang="fr-FR" sz="1200" dirty="0"/>
+              <a:t>IA </a:t>
+            </a:r>
+            <a:r>
+              <a:rPr lang="fr-FR" sz="1200" dirty="0" err="1"/>
+              <a:t>Worker</a:t>
+            </a:r>
+            <a:endParaRPr lang="fr-FR" sz="1200" dirty="0"/>
+          </a:p>
+        </p:txBody>
+      </p:sp>
+      <p:pic>
+        <p:nvPicPr>
+          <p:cNvPr id="30" name="Picture 2" descr="Nvidia Logo - PNG y Vector">
+            <a:extLst>
+              <a:ext uri="{FF2B5EF4-FFF2-40B4-BE49-F238E27FC236}">
+                <a16:creationId xmlns:a16="http://schemas.microsoft.com/office/drawing/2014/main" id="{3E377BF5-604A-6C92-3987-312CC0AED4F7}"/>
+              </a:ext>
+            </a:extLst>
+          </p:cNvPr>
+          <p:cNvPicPr>
+            <a:picLocks noChangeAspect="1" noChangeArrowheads="1"/>
+          </p:cNvPicPr>
+          <p:nvPr/>
+        </p:nvPicPr>
+        <p:blipFill>
+          <a:blip r:embed="rId2">
+            <a:extLst>
+              <a:ext uri="{28A0092B-C50C-407E-A947-70E740481C1C}">
+                <a14:useLocalDpi xmlns:a14="http://schemas.microsoft.com/office/drawing/2010/main" val="0"/>
+              </a:ext>
+            </a:extLst>
+          </a:blip>
+          <a:srcRect/>
+          <a:stretch>
+            <a:fillRect/>
+          </a:stretch>
+        </p:blipFill>
+        <p:spPr bwMode="auto">
+          <a:xfrm>
+            <a:off x="9343096" y="1911964"/>
+            <a:ext cx="241006" cy="241006"/>
+          </a:xfrm>
+          <a:prstGeom prst="rect">
+            <a:avLst/>
+          </a:prstGeom>
+          <a:noFill/>
+          <a:extLst>
+            <a:ext uri="{909E8E84-426E-40DD-AFC4-6F175D3DCCD1}">
+              <a14:hiddenFill xmlns:a14="http://schemas.microsoft.com/office/drawing/2010/main">
+                <a:solidFill>
+                  <a:srgbClr val="FFFFFF"/>
+                </a:solidFill>
+              </a14:hiddenFill>
+            </a:ext>
+          </a:extLst>
+        </p:spPr>
+      </p:pic>
+      <p:sp>
+        <p:nvSpPr>
+          <p:cNvPr id="31" name="Rectangle 30">
+            <a:extLst>
+              <a:ext uri="{FF2B5EF4-FFF2-40B4-BE49-F238E27FC236}">
+                <a16:creationId xmlns:a16="http://schemas.microsoft.com/office/drawing/2014/main" id="{53A7A8BA-73DA-F19B-E705-D68813B52FD4}"/>
+              </a:ext>
+            </a:extLst>
+          </p:cNvPr>
+          <p:cNvSpPr/>
+          <p:nvPr/>
+        </p:nvSpPr>
+        <p:spPr>
+          <a:xfrm>
+            <a:off x="9584102" y="1931401"/>
+            <a:ext cx="336884" cy="202132"/>
+          </a:xfrm>
+          <a:prstGeom prst="rect">
+            <a:avLst/>
+          </a:prstGeom>
+          <a:solidFill>
+            <a:srgbClr val="92D050"/>
+          </a:solidFill>
+        </p:spPr>
+        <p:style>
+          <a:lnRef idx="2">
+            <a:schemeClr val="accent1">
+              <a:shade val="15000"/>
+            </a:schemeClr>
+          </a:lnRef>
+          <a:fillRef idx="1">
+            <a:schemeClr val="accent1"/>
+          </a:fillRef>
+          <a:effectRef idx="0">
+            <a:schemeClr val="accent1"/>
+          </a:effectRef>
+          <a:fontRef idx="minor">
+            <a:schemeClr val="lt1"/>
+          </a:fontRef>
+        </p:style>
+        <p:txBody>
+          <a:bodyPr rtlCol="0" anchor="ctr"/>
+          <a:lstStyle/>
+          <a:p>
+            <a:pPr algn="ctr"/>
+            <a:r>
+              <a:rPr lang="fr-FR" sz="1200" dirty="0"/>
+              <a:t>AI</a:t>
+            </a:r>
+          </a:p>
+        </p:txBody>
+      </p:sp>
+      <p:cxnSp>
+        <p:nvCxnSpPr>
+          <p:cNvPr id="39" name="Connecteur droit avec flèche 38">
+            <a:extLst>
+              <a:ext uri="{FF2B5EF4-FFF2-40B4-BE49-F238E27FC236}">
+                <a16:creationId xmlns:a16="http://schemas.microsoft.com/office/drawing/2014/main" id="{30176568-981F-B6DE-94E0-1B68C4D38319}"/>
+              </a:ext>
+            </a:extLst>
+          </p:cNvPr>
+          <p:cNvCxnSpPr>
+            <a:cxnSpLocks/>
+            <a:stCxn id="4" idx="0"/>
+            <a:endCxn id="38" idx="2"/>
+          </p:cNvCxnSpPr>
+          <p:nvPr/>
+        </p:nvCxnSpPr>
+        <p:spPr>
+          <a:xfrm flipV="1">
+            <a:off x="4946395" y="1638181"/>
+            <a:ext cx="2506655" cy="744874"/>
+          </a:xfrm>
+          <a:prstGeom prst="straightConnector1">
+            <a:avLst/>
+          </a:prstGeom>
+          <a:ln w="25400">
+            <a:solidFill>
+              <a:srgbClr val="002060"/>
+            </a:solidFill>
+            <a:tailEnd type="triangle"/>
+          </a:ln>
+        </p:spPr>
+        <p:style>
+          <a:lnRef idx="1">
+            <a:schemeClr val="accent1"/>
+          </a:lnRef>
+          <a:fillRef idx="0">
+            <a:schemeClr val="accent1"/>
+          </a:fillRef>
+          <a:effectRef idx="0">
+            <a:schemeClr val="accent1"/>
+          </a:effectRef>
+          <a:fontRef idx="minor">
+            <a:schemeClr val="tx1"/>
+          </a:fontRef>
+        </p:style>
+      </p:cxnSp>
+      <p:cxnSp>
+        <p:nvCxnSpPr>
+          <p:cNvPr id="47" name="Connecteur droit avec flèche 46">
+            <a:extLst>
+              <a:ext uri="{FF2B5EF4-FFF2-40B4-BE49-F238E27FC236}">
+                <a16:creationId xmlns:a16="http://schemas.microsoft.com/office/drawing/2014/main" id="{5B2CA26D-2B15-E389-6E8E-08C0665648E4}"/>
+              </a:ext>
+            </a:extLst>
+          </p:cNvPr>
+          <p:cNvCxnSpPr>
+            <a:cxnSpLocks/>
+            <a:stCxn id="21" idx="1"/>
+            <a:endCxn id="38" idx="2"/>
+          </p:cNvCxnSpPr>
+          <p:nvPr/>
+        </p:nvCxnSpPr>
+        <p:spPr>
+          <a:xfrm flipH="1" flipV="1">
+            <a:off x="7453050" y="1638181"/>
+            <a:ext cx="1906479" cy="974391"/>
+          </a:xfrm>
+          <a:prstGeom prst="straightConnector1">
+            <a:avLst/>
+          </a:prstGeom>
+          <a:ln w="25400">
+            <a:solidFill>
+              <a:srgbClr val="002060"/>
+            </a:solidFill>
+            <a:tailEnd type="triangle"/>
+          </a:ln>
+        </p:spPr>
+        <p:style>
+          <a:lnRef idx="1">
+            <a:schemeClr val="accent1"/>
+          </a:lnRef>
+          <a:fillRef idx="0">
+            <a:schemeClr val="accent1"/>
+          </a:fillRef>
+          <a:effectRef idx="0">
+            <a:schemeClr val="accent1"/>
+          </a:effectRef>
+          <a:fontRef idx="minor">
+            <a:schemeClr val="tx1"/>
+          </a:fontRef>
+        </p:style>
+      </p:cxnSp>
+      <p:sp>
+        <p:nvSpPr>
+          <p:cNvPr id="56" name="ZoneTexte 55">
+            <a:extLst>
+              <a:ext uri="{FF2B5EF4-FFF2-40B4-BE49-F238E27FC236}">
+                <a16:creationId xmlns:a16="http://schemas.microsoft.com/office/drawing/2014/main" id="{4E6D7C8F-FCCD-CB39-9054-10F8F9DC1F10}"/>
+              </a:ext>
+            </a:extLst>
+          </p:cNvPr>
+          <p:cNvSpPr txBox="1"/>
+          <p:nvPr/>
+        </p:nvSpPr>
+        <p:spPr>
+          <a:xfrm>
+            <a:off x="4258434" y="973245"/>
+            <a:ext cx="1833033" cy="1107996"/>
+          </a:xfrm>
+          <a:prstGeom prst="rect">
+            <a:avLst/>
+          </a:prstGeom>
+          <a:noFill/>
+        </p:spPr>
+        <p:txBody>
+          <a:bodyPr wrap="square" rtlCol="0">
+            <a:spAutoFit/>
+          </a:bodyPr>
+          <a:lstStyle/>
+          <a:p>
+            <a:r>
+              <a:rPr lang="fr-FR" sz="1100" b="1" dirty="0"/>
+              <a:t>Etape 2</a:t>
+            </a:r>
+          </a:p>
+          <a:p>
+            <a:r>
+              <a:rPr lang="fr-FR" sz="1100" dirty="0"/>
+              <a:t>On pousse les données dans redis avec un ID que l’on génère. Et on réalise un appel asynchrone au </a:t>
+            </a:r>
+            <a:r>
+              <a:rPr lang="fr-FR" sz="1100" dirty="0" err="1"/>
+              <a:t>worker</a:t>
+            </a:r>
+            <a:r>
+              <a:rPr lang="fr-FR" sz="1100" dirty="0"/>
+              <a:t>.</a:t>
+            </a:r>
+          </a:p>
+          <a:p>
+            <a:endParaRPr lang="fr-FR" sz="1100" dirty="0"/>
+          </a:p>
+        </p:txBody>
+      </p:sp>
+      <p:sp>
+        <p:nvSpPr>
+          <p:cNvPr id="57" name="ZoneTexte 56">
+            <a:extLst>
+              <a:ext uri="{FF2B5EF4-FFF2-40B4-BE49-F238E27FC236}">
+                <a16:creationId xmlns:a16="http://schemas.microsoft.com/office/drawing/2014/main" id="{05720F88-1959-2663-74F1-CD20F3707280}"/>
+              </a:ext>
+            </a:extLst>
+          </p:cNvPr>
+          <p:cNvSpPr txBox="1"/>
+          <p:nvPr/>
+        </p:nvSpPr>
+        <p:spPr>
+          <a:xfrm>
+            <a:off x="10062742" y="4616391"/>
+            <a:ext cx="1186543" cy="430887"/>
+          </a:xfrm>
+          <a:prstGeom prst="rect">
+            <a:avLst/>
+          </a:prstGeom>
+          <a:noFill/>
+        </p:spPr>
+        <p:txBody>
+          <a:bodyPr wrap="none" rtlCol="0">
+            <a:spAutoFit/>
+          </a:bodyPr>
+          <a:lstStyle/>
+          <a:p>
+            <a:r>
+              <a:rPr lang="fr-FR" sz="1100" dirty="0"/>
+              <a:t>Consume chunck </a:t>
+            </a:r>
+          </a:p>
+          <a:p>
+            <a:r>
+              <a:rPr lang="fr-FR" sz="1100" dirty="0"/>
+              <a:t>of text </a:t>
+            </a:r>
+          </a:p>
+        </p:txBody>
+      </p:sp>
+      <p:cxnSp>
+        <p:nvCxnSpPr>
+          <p:cNvPr id="5" name="Connecteur droit avec flèche 4">
+            <a:extLst>
+              <a:ext uri="{FF2B5EF4-FFF2-40B4-BE49-F238E27FC236}">
+                <a16:creationId xmlns:a16="http://schemas.microsoft.com/office/drawing/2014/main" id="{10989B38-C5B2-8B6F-AE5F-905514BBCABF}"/>
+              </a:ext>
+            </a:extLst>
+          </p:cNvPr>
+          <p:cNvCxnSpPr>
+            <a:cxnSpLocks/>
+          </p:cNvCxnSpPr>
+          <p:nvPr/>
+        </p:nvCxnSpPr>
+        <p:spPr>
+          <a:xfrm flipH="1">
+            <a:off x="1201434" y="2961830"/>
+            <a:ext cx="3229490" cy="0"/>
+          </a:xfrm>
+          <a:prstGeom prst="straightConnector1">
+            <a:avLst/>
+          </a:prstGeom>
+          <a:ln w="25400">
+            <a:solidFill>
+              <a:srgbClr val="00B050"/>
+            </a:solidFill>
+            <a:headEnd type="none"/>
+            <a:tailEnd type="triangle"/>
+          </a:ln>
+        </p:spPr>
+        <p:style>
+          <a:lnRef idx="1">
+            <a:schemeClr val="accent1"/>
+          </a:lnRef>
+          <a:fillRef idx="0">
+            <a:schemeClr val="accent1"/>
+          </a:fillRef>
+          <a:effectRef idx="0">
+            <a:schemeClr val="accent1"/>
+          </a:effectRef>
+          <a:fontRef idx="minor">
+            <a:schemeClr val="tx1"/>
+          </a:fontRef>
+        </p:style>
+      </p:cxnSp>
+      <p:sp>
+        <p:nvSpPr>
+          <p:cNvPr id="16" name="ZoneTexte 15">
+            <a:extLst>
+              <a:ext uri="{FF2B5EF4-FFF2-40B4-BE49-F238E27FC236}">
+                <a16:creationId xmlns:a16="http://schemas.microsoft.com/office/drawing/2014/main" id="{A808C64E-F3AF-F9E2-52D7-8D6C21621B0C}"/>
+              </a:ext>
+            </a:extLst>
+          </p:cNvPr>
+          <p:cNvSpPr txBox="1"/>
+          <p:nvPr/>
+        </p:nvSpPr>
+        <p:spPr>
+          <a:xfrm>
+            <a:off x="1470507" y="475797"/>
+            <a:ext cx="1916807" cy="2123658"/>
+          </a:xfrm>
+          <a:prstGeom prst="rect">
+            <a:avLst/>
+          </a:prstGeom>
+          <a:noFill/>
+        </p:spPr>
+        <p:txBody>
+          <a:bodyPr wrap="square" rtlCol="0">
+            <a:spAutoFit/>
+          </a:bodyPr>
+          <a:lstStyle/>
+          <a:p>
+            <a:r>
+              <a:rPr lang="fr-FR" sz="1200" b="1" u="sng" dirty="0"/>
+              <a:t>Etape 1 </a:t>
+            </a:r>
+            <a:br>
+              <a:rPr lang="fr-FR" sz="1200" dirty="0"/>
+            </a:br>
+            <a:r>
+              <a:rPr lang="fr-FR" sz="1200" dirty="0"/>
+              <a:t>On découpe le son en plusieurs morceaux </a:t>
+            </a:r>
+            <a:r>
+              <a:rPr lang="fr-FR" sz="1200" dirty="0" err="1"/>
+              <a:t>chunk</a:t>
+            </a:r>
+            <a:r>
+              <a:rPr lang="fr-FR" sz="1200" dirty="0"/>
+              <a:t> (à chaque baisse d’</a:t>
+            </a:r>
+            <a:r>
+              <a:rPr lang="fr-FR" sz="1200" dirty="0" err="1"/>
+              <a:t>intenssité</a:t>
+            </a:r>
+            <a:r>
+              <a:rPr lang="fr-FR" sz="1200" dirty="0"/>
+              <a:t> pendant une période donnée)</a:t>
+            </a:r>
+          </a:p>
+          <a:p>
+            <a:endParaRPr lang="fr-FR" sz="1200" dirty="0"/>
+          </a:p>
+          <a:p>
+            <a:r>
+              <a:rPr lang="fr-FR" sz="1200"/>
+              <a:t>TTP </a:t>
+            </a:r>
+            <a:r>
+              <a:rPr lang="fr-FR" sz="1200" dirty="0"/>
+              <a:t>POST /audio :</a:t>
+            </a:r>
+          </a:p>
+          <a:p>
+            <a:pPr marL="171450" indent="-171450">
+              <a:buFontTx/>
+              <a:buChar char="-"/>
+            </a:pPr>
+            <a:r>
+              <a:rPr lang="fr-FR" sz="1200" dirty="0"/>
+              <a:t>Stream du son</a:t>
+            </a:r>
+          </a:p>
+          <a:p>
+            <a:pPr marL="171450" indent="-171450">
+              <a:buFontTx/>
+              <a:buChar char="-"/>
+            </a:pPr>
+            <a:r>
+              <a:rPr lang="fr-FR" sz="1200" dirty="0"/>
+              <a:t>Index du </a:t>
+            </a:r>
+            <a:r>
+              <a:rPr lang="fr-FR" sz="1200" dirty="0" err="1"/>
+              <a:t>chunk</a:t>
+            </a:r>
+            <a:endParaRPr lang="fr-FR" sz="1200" dirty="0"/>
+          </a:p>
+          <a:p>
+            <a:pPr marL="171450" indent="-171450">
+              <a:buFontTx/>
+              <a:buChar char="-"/>
+            </a:pPr>
+            <a:r>
+              <a:rPr lang="fr-FR" sz="1200" dirty="0" err="1"/>
+              <a:t>ClientID</a:t>
+            </a:r>
+            <a:endParaRPr lang="fr-FR" sz="1200" dirty="0"/>
+          </a:p>
+        </p:txBody>
+      </p:sp>
+      <p:sp>
+        <p:nvSpPr>
+          <p:cNvPr id="21" name="Rectangle 20">
+            <a:extLst>
+              <a:ext uri="{FF2B5EF4-FFF2-40B4-BE49-F238E27FC236}">
+                <a16:creationId xmlns:a16="http://schemas.microsoft.com/office/drawing/2014/main" id="{8B139D03-83F4-9D24-E19B-5C9E3E6819F9}"/>
+              </a:ext>
+            </a:extLst>
+          </p:cNvPr>
+          <p:cNvSpPr/>
+          <p:nvPr/>
+        </p:nvSpPr>
+        <p:spPr>
+          <a:xfrm>
+            <a:off x="9359529" y="2245019"/>
+            <a:ext cx="1030942" cy="735106"/>
+          </a:xfrm>
+          <a:prstGeom prst="rect">
+            <a:avLst/>
+          </a:prstGeom>
+        </p:spPr>
+        <p:style>
+          <a:lnRef idx="2">
+            <a:schemeClr val="accent1">
+              <a:shade val="15000"/>
+            </a:schemeClr>
+          </a:lnRef>
+          <a:fillRef idx="1">
+            <a:schemeClr val="accent1"/>
+          </a:fillRef>
+          <a:effectRef idx="0">
+            <a:schemeClr val="accent1"/>
+          </a:effectRef>
+          <a:fontRef idx="minor">
+            <a:schemeClr val="lt1"/>
+          </a:fontRef>
+        </p:style>
+        <p:txBody>
+          <a:bodyPr rtlCol="0" anchor="ctr"/>
+          <a:lstStyle/>
+          <a:p>
+            <a:pPr algn="ctr"/>
+            <a:r>
+              <a:rPr lang="fr-FR" sz="1200" dirty="0"/>
+              <a:t>IA </a:t>
+            </a:r>
+            <a:r>
+              <a:rPr lang="fr-FR" sz="1200" dirty="0" err="1"/>
+              <a:t>Worker</a:t>
+            </a:r>
+            <a:endParaRPr lang="fr-FR" sz="1200" dirty="0"/>
+          </a:p>
+        </p:txBody>
+      </p:sp>
+      <p:pic>
+        <p:nvPicPr>
+          <p:cNvPr id="22" name="Picture 2" descr="Nvidia Logo - PNG y Vector">
+            <a:extLst>
+              <a:ext uri="{FF2B5EF4-FFF2-40B4-BE49-F238E27FC236}">
+                <a16:creationId xmlns:a16="http://schemas.microsoft.com/office/drawing/2014/main" id="{8C748C88-41EA-DC60-8971-FFD81AED953D}"/>
+              </a:ext>
+            </a:extLst>
+          </p:cNvPr>
+          <p:cNvPicPr>
+            <a:picLocks noChangeAspect="1" noChangeArrowheads="1"/>
+          </p:cNvPicPr>
+          <p:nvPr/>
+        </p:nvPicPr>
+        <p:blipFill>
+          <a:blip r:embed="rId2">
+            <a:extLst>
+              <a:ext uri="{28A0092B-C50C-407E-A947-70E740481C1C}">
+                <a14:useLocalDpi xmlns:a14="http://schemas.microsoft.com/office/drawing/2010/main" val="0"/>
+              </a:ext>
+            </a:extLst>
+          </a:blip>
+          <a:srcRect/>
+          <a:stretch>
+            <a:fillRect/>
+          </a:stretch>
+        </p:blipFill>
+        <p:spPr bwMode="auto">
+          <a:xfrm>
+            <a:off x="9326663" y="2837823"/>
+            <a:ext cx="241006" cy="241006"/>
+          </a:xfrm>
+          <a:prstGeom prst="rect">
+            <a:avLst/>
+          </a:prstGeom>
+          <a:noFill/>
+          <a:extLst>
+            <a:ext uri="{909E8E84-426E-40DD-AFC4-6F175D3DCCD1}">
+              <a14:hiddenFill xmlns:a14="http://schemas.microsoft.com/office/drawing/2010/main">
+                <a:solidFill>
+                  <a:srgbClr val="FFFFFF"/>
+                </a:solidFill>
+              </a14:hiddenFill>
+            </a:ext>
+          </a:extLst>
+        </p:spPr>
+      </p:pic>
+      <p:sp>
+        <p:nvSpPr>
+          <p:cNvPr id="23" name="Rectangle 22">
+            <a:extLst>
+              <a:ext uri="{FF2B5EF4-FFF2-40B4-BE49-F238E27FC236}">
+                <a16:creationId xmlns:a16="http://schemas.microsoft.com/office/drawing/2014/main" id="{51AF5554-9F35-7FEF-4A07-0222CE37F7EB}"/>
+              </a:ext>
+            </a:extLst>
+          </p:cNvPr>
+          <p:cNvSpPr/>
+          <p:nvPr/>
+        </p:nvSpPr>
+        <p:spPr>
+          <a:xfrm>
+            <a:off x="9567669" y="2857260"/>
+            <a:ext cx="336884" cy="202132"/>
+          </a:xfrm>
+          <a:prstGeom prst="rect">
+            <a:avLst/>
+          </a:prstGeom>
+          <a:solidFill>
+            <a:srgbClr val="92D050"/>
+          </a:solidFill>
+        </p:spPr>
+        <p:style>
+          <a:lnRef idx="2">
+            <a:schemeClr val="accent1">
+              <a:shade val="15000"/>
+            </a:schemeClr>
+          </a:lnRef>
+          <a:fillRef idx="1">
+            <a:schemeClr val="accent1"/>
+          </a:fillRef>
+          <a:effectRef idx="0">
+            <a:schemeClr val="accent1"/>
+          </a:effectRef>
+          <a:fontRef idx="minor">
+            <a:schemeClr val="lt1"/>
+          </a:fontRef>
+        </p:style>
+        <p:txBody>
+          <a:bodyPr rtlCol="0" anchor="ctr"/>
+          <a:lstStyle/>
+          <a:p>
+            <a:pPr algn="ctr"/>
+            <a:r>
+              <a:rPr lang="fr-FR" sz="1200" dirty="0"/>
+              <a:t>AI</a:t>
+            </a:r>
+          </a:p>
+        </p:txBody>
+      </p:sp>
+      <p:sp>
+        <p:nvSpPr>
+          <p:cNvPr id="25" name="Rectangle 24">
+            <a:extLst>
+              <a:ext uri="{FF2B5EF4-FFF2-40B4-BE49-F238E27FC236}">
+                <a16:creationId xmlns:a16="http://schemas.microsoft.com/office/drawing/2014/main" id="{39AA5939-9EF6-6F96-E117-D931F2606BB1}"/>
+              </a:ext>
+            </a:extLst>
+          </p:cNvPr>
+          <p:cNvSpPr/>
+          <p:nvPr/>
+        </p:nvSpPr>
+        <p:spPr>
+          <a:xfrm>
+            <a:off x="9375962" y="3137969"/>
+            <a:ext cx="1030942" cy="735106"/>
+          </a:xfrm>
+          <a:prstGeom prst="rect">
+            <a:avLst/>
+          </a:prstGeom>
+        </p:spPr>
+        <p:style>
+          <a:lnRef idx="2">
+            <a:schemeClr val="accent1">
+              <a:shade val="15000"/>
+            </a:schemeClr>
+          </a:lnRef>
+          <a:fillRef idx="1">
+            <a:schemeClr val="accent1"/>
+          </a:fillRef>
+          <a:effectRef idx="0">
+            <a:schemeClr val="accent1"/>
+          </a:effectRef>
+          <a:fontRef idx="minor">
+            <a:schemeClr val="lt1"/>
+          </a:fontRef>
+        </p:style>
+        <p:txBody>
+          <a:bodyPr rtlCol="0" anchor="ctr"/>
+          <a:lstStyle/>
+          <a:p>
+            <a:pPr algn="ctr"/>
+            <a:r>
+              <a:rPr lang="fr-FR" sz="1200" dirty="0"/>
+              <a:t>IA </a:t>
+            </a:r>
+            <a:r>
+              <a:rPr lang="fr-FR" sz="1200" dirty="0" err="1"/>
+              <a:t>Worker</a:t>
+            </a:r>
+            <a:endParaRPr lang="fr-FR" sz="1200" dirty="0"/>
+          </a:p>
+        </p:txBody>
+      </p:sp>
+      <p:pic>
+        <p:nvPicPr>
+          <p:cNvPr id="26" name="Picture 2" descr="Nvidia Logo - PNG y Vector">
+            <a:extLst>
+              <a:ext uri="{FF2B5EF4-FFF2-40B4-BE49-F238E27FC236}">
+                <a16:creationId xmlns:a16="http://schemas.microsoft.com/office/drawing/2014/main" id="{DC11220F-8407-7230-BA2F-6CD3739FB05B}"/>
+              </a:ext>
+            </a:extLst>
+          </p:cNvPr>
+          <p:cNvPicPr>
+            <a:picLocks noChangeAspect="1" noChangeArrowheads="1"/>
+          </p:cNvPicPr>
+          <p:nvPr/>
+        </p:nvPicPr>
+        <p:blipFill>
+          <a:blip r:embed="rId2">
+            <a:extLst>
+              <a:ext uri="{28A0092B-C50C-407E-A947-70E740481C1C}">
+                <a14:useLocalDpi xmlns:a14="http://schemas.microsoft.com/office/drawing/2010/main" val="0"/>
+              </a:ext>
+            </a:extLst>
+          </a:blip>
+          <a:srcRect/>
+          <a:stretch>
+            <a:fillRect/>
+          </a:stretch>
+        </p:blipFill>
+        <p:spPr bwMode="auto">
+          <a:xfrm>
+            <a:off x="9343096" y="3730773"/>
+            <a:ext cx="241006" cy="241006"/>
+          </a:xfrm>
+          <a:prstGeom prst="rect">
+            <a:avLst/>
+          </a:prstGeom>
+          <a:noFill/>
+          <a:extLst>
+            <a:ext uri="{909E8E84-426E-40DD-AFC4-6F175D3DCCD1}">
+              <a14:hiddenFill xmlns:a14="http://schemas.microsoft.com/office/drawing/2010/main">
+                <a:solidFill>
+                  <a:srgbClr val="FFFFFF"/>
+                </a:solidFill>
+              </a14:hiddenFill>
+            </a:ext>
+          </a:extLst>
+        </p:spPr>
+      </p:pic>
+      <p:sp>
+        <p:nvSpPr>
+          <p:cNvPr id="32" name="Rectangle 31">
+            <a:extLst>
+              <a:ext uri="{FF2B5EF4-FFF2-40B4-BE49-F238E27FC236}">
+                <a16:creationId xmlns:a16="http://schemas.microsoft.com/office/drawing/2014/main" id="{017722C7-24E6-8DB8-D998-6962AE772C87}"/>
+              </a:ext>
+            </a:extLst>
+          </p:cNvPr>
+          <p:cNvSpPr/>
+          <p:nvPr/>
+        </p:nvSpPr>
+        <p:spPr>
+          <a:xfrm>
+            <a:off x="9584102" y="3750210"/>
+            <a:ext cx="336884" cy="202132"/>
+          </a:xfrm>
+          <a:prstGeom prst="rect">
+            <a:avLst/>
+          </a:prstGeom>
+          <a:solidFill>
+            <a:srgbClr val="92D050"/>
+          </a:solidFill>
+        </p:spPr>
+        <p:style>
+          <a:lnRef idx="2">
+            <a:schemeClr val="accent1">
+              <a:shade val="15000"/>
+            </a:schemeClr>
+          </a:lnRef>
+          <a:fillRef idx="1">
+            <a:schemeClr val="accent1"/>
+          </a:fillRef>
+          <a:effectRef idx="0">
+            <a:schemeClr val="accent1"/>
+          </a:effectRef>
+          <a:fontRef idx="minor">
+            <a:schemeClr val="lt1"/>
+          </a:fontRef>
+        </p:style>
+        <p:txBody>
+          <a:bodyPr rtlCol="0" anchor="ctr"/>
+          <a:lstStyle/>
+          <a:p>
+            <a:pPr algn="ctr"/>
+            <a:r>
+              <a:rPr lang="fr-FR" sz="1200" dirty="0"/>
+              <a:t>AI</a:t>
+            </a:r>
+          </a:p>
+        </p:txBody>
+      </p:sp>
+      <p:sp>
+        <p:nvSpPr>
+          <p:cNvPr id="38" name="Rectangle 37">
+            <a:extLst>
+              <a:ext uri="{FF2B5EF4-FFF2-40B4-BE49-F238E27FC236}">
+                <a16:creationId xmlns:a16="http://schemas.microsoft.com/office/drawing/2014/main" id="{53EDDDD8-CAD6-C306-BFC5-BC6E9824CA8F}"/>
+              </a:ext>
+            </a:extLst>
+          </p:cNvPr>
+          <p:cNvSpPr/>
+          <p:nvPr/>
+        </p:nvSpPr>
+        <p:spPr>
+          <a:xfrm>
+            <a:off x="6972929" y="1172916"/>
+            <a:ext cx="960241" cy="465265"/>
+          </a:xfrm>
+          <a:prstGeom prst="rect">
+            <a:avLst/>
+          </a:prstGeom>
+        </p:spPr>
+        <p:style>
+          <a:lnRef idx="2">
+            <a:schemeClr val="accent1">
+              <a:shade val="15000"/>
+            </a:schemeClr>
+          </a:lnRef>
+          <a:fillRef idx="1">
+            <a:schemeClr val="accent1"/>
+          </a:fillRef>
+          <a:effectRef idx="0">
+            <a:schemeClr val="accent1"/>
+          </a:effectRef>
+          <a:fontRef idx="minor">
+            <a:schemeClr val="lt1"/>
+          </a:fontRef>
+        </p:style>
+        <p:txBody>
+          <a:bodyPr rtlCol="0" anchor="ctr"/>
+          <a:lstStyle/>
+          <a:p>
+            <a:pPr algn="ctr"/>
+            <a:r>
+              <a:rPr lang="fr-FR" dirty="0"/>
+              <a:t>Redis</a:t>
+            </a:r>
+          </a:p>
+        </p:txBody>
+      </p:sp>
+      <p:cxnSp>
+        <p:nvCxnSpPr>
+          <p:cNvPr id="49" name="Connecteur droit avec flèche 48">
+            <a:extLst>
+              <a:ext uri="{FF2B5EF4-FFF2-40B4-BE49-F238E27FC236}">
+                <a16:creationId xmlns:a16="http://schemas.microsoft.com/office/drawing/2014/main" id="{2C81B008-F75F-AA69-B316-0C10A4FD05E7}"/>
+              </a:ext>
+            </a:extLst>
+          </p:cNvPr>
+          <p:cNvCxnSpPr>
+            <a:cxnSpLocks/>
+          </p:cNvCxnSpPr>
+          <p:nvPr/>
+        </p:nvCxnSpPr>
+        <p:spPr>
+          <a:xfrm>
+            <a:off x="5461866" y="2612572"/>
+            <a:ext cx="1569914" cy="0"/>
+          </a:xfrm>
+          <a:prstGeom prst="straightConnector1">
+            <a:avLst/>
+          </a:prstGeom>
+          <a:ln w="25400">
+            <a:solidFill>
+              <a:srgbClr val="00B050"/>
+            </a:solidFill>
+            <a:headEnd type="none"/>
+            <a:tailEnd type="triangle"/>
+          </a:ln>
+        </p:spPr>
+        <p:style>
+          <a:lnRef idx="1">
+            <a:schemeClr val="accent1"/>
+          </a:lnRef>
+          <a:fillRef idx="0">
+            <a:schemeClr val="accent1"/>
+          </a:fillRef>
+          <a:effectRef idx="0">
+            <a:schemeClr val="accent1"/>
+          </a:effectRef>
+          <a:fontRef idx="minor">
+            <a:schemeClr val="tx1"/>
+          </a:fontRef>
+        </p:style>
+      </p:cxnSp>
+    </p:spTree>
+    <p:extLst>
+      <p:ext uri="{BB962C8B-B14F-4D97-AF65-F5344CB8AC3E}">
+        <p14:creationId xmlns:p14="http://schemas.microsoft.com/office/powerpoint/2010/main" val="3734232362"/>
+      </p:ext>
+    </p:extLst>
+  </p:cSld>
+  <p:clrMapOvr>
+    <a:masterClrMapping/>
+  </p:clrMapOvr>
+</p:sld>
+</file>
+
 <file path=ppt/theme/theme1.xml><?xml version="1.0" encoding="utf-8"?>
 <a:theme xmlns:a="http://schemas.openxmlformats.org/drawingml/2006/main" name="Thème Office">
   <a:themeElements>

--- a/documentation/Architecture.pptx
+++ b/documentation/Architecture.pptx
@@ -5316,8 +5316,8 @@
         </p:nvSpPr>
         <p:spPr>
           <a:xfrm>
-            <a:off x="3729317" y="520407"/>
-            <a:ext cx="8273385" cy="5851518"/>
+            <a:off x="3729317" y="67377"/>
+            <a:ext cx="8273385" cy="6304548"/>
           </a:xfrm>
           <a:prstGeom prst="rect">
             <a:avLst/>
@@ -5368,7 +5368,7 @@
         </p:nvSpPr>
         <p:spPr>
           <a:xfrm>
-            <a:off x="3722990" y="565158"/>
+            <a:off x="8272642" y="134391"/>
             <a:ext cx="3730060" cy="369332"/>
           </a:xfrm>
           <a:prstGeom prst="rect">
@@ -5870,8 +5870,8 @@
         </p:nvSpPr>
         <p:spPr>
           <a:xfrm>
-            <a:off x="4258434" y="973245"/>
-            <a:ext cx="1833033" cy="1107996"/>
+            <a:off x="3956770" y="360441"/>
+            <a:ext cx="2999726" cy="1446550"/>
           </a:xfrm>
           <a:prstGeom prst="rect">
             <a:avLst/>
@@ -5885,14 +5885,14 @@
           <a:lstStyle/>
           <a:p>
             <a:r>
-              <a:rPr lang="fr-FR" sz="1100" b="1" dirty="0"/>
+              <a:rPr lang="fr-FR" sz="1100" b="1" u="sng" dirty="0"/>
               <a:t>Etape 2</a:t>
             </a:r>
           </a:p>
           <a:p>
             <a:r>
               <a:rPr lang="fr-FR" sz="1100" dirty="0"/>
-              <a:t>On pousse les données dans redis avec un ID que l’on génère. Et on réalise un appel asynchrone au </a:t>
+              <a:t>On pousse les données dans redis avec un ID puis on réalise un appel asynchrone au </a:t>
             </a:r>
             <a:r>
               <a:rPr lang="fr-FR" sz="1100" dirty="0" err="1"/>
@@ -5904,48 +5904,46 @@
             </a:r>
           </a:p>
           <a:p>
+            <a:r>
+              <a:rPr lang="fr-FR" sz="1100" dirty="0"/>
+              <a:t>Il n’y a pas de notion d’ordre le traitement des message peut-être parallélisé.</a:t>
+            </a:r>
+          </a:p>
+          <a:p>
+            <a:r>
+              <a:rPr lang="fr-FR" sz="1100" dirty="0"/>
+              <a:t>HTTP POST /</a:t>
+            </a:r>
+            <a:r>
+              <a:rPr lang="fr-FR" sz="1100" dirty="0" err="1"/>
+              <a:t>async-function</a:t>
+            </a:r>
+            <a:r>
+              <a:rPr lang="fr-FR" sz="1100" dirty="0"/>
+              <a:t>/</a:t>
+            </a:r>
+            <a:r>
+              <a:rPr lang="fr-FR" sz="1100" dirty="0" err="1"/>
+              <a:t>ia-worker</a:t>
+            </a:r>
+            <a:r>
+              <a:rPr lang="fr-FR" sz="1100" dirty="0"/>
+              <a:t>/</a:t>
+            </a:r>
+            <a:r>
+              <a:rPr lang="fr-FR" sz="1100" dirty="0" err="1"/>
+              <a:t>transcribe</a:t>
+            </a:r>
+            <a:br>
+              <a:rPr lang="fr-FR" sz="1100" dirty="0"/>
+            </a:br>
+            <a:r>
+              <a:rPr lang="fr-FR" sz="1100" dirty="0"/>
+              <a:t>- id</a:t>
+            </a:r>
+          </a:p>
+          <a:p>
             <a:endParaRPr lang="fr-FR" sz="1100" dirty="0"/>
-          </a:p>
-        </p:txBody>
-      </p:sp>
-      <p:sp>
-        <p:nvSpPr>
-          <p:cNvPr id="57" name="ZoneTexte 56">
-            <a:extLst>
-              <a:ext uri="{FF2B5EF4-FFF2-40B4-BE49-F238E27FC236}">
-                <a16:creationId xmlns:a16="http://schemas.microsoft.com/office/drawing/2014/main" id="{05720F88-1959-2663-74F1-CD20F3707280}"/>
-              </a:ext>
-            </a:extLst>
-          </p:cNvPr>
-          <p:cNvSpPr txBox="1"/>
-          <p:nvPr/>
-        </p:nvSpPr>
-        <p:spPr>
-          <a:xfrm>
-            <a:off x="10062742" y="4616391"/>
-            <a:ext cx="1186543" cy="430887"/>
-          </a:xfrm>
-          <a:prstGeom prst="rect">
-            <a:avLst/>
-          </a:prstGeom>
-          <a:noFill/>
-        </p:spPr>
-        <p:txBody>
-          <a:bodyPr wrap="none" rtlCol="0">
-            <a:spAutoFit/>
-          </a:bodyPr>
-          <a:lstStyle/>
-          <a:p>
-            <a:r>
-              <a:rPr lang="fr-FR" sz="1100" dirty="0"/>
-              <a:t>Consume chunck </a:t>
-            </a:r>
-          </a:p>
-          <a:p>
-            <a:r>
-              <a:rPr lang="fr-FR" sz="1100" dirty="0"/>
-              <a:t>of text </a:t>
-            </a:r>
           </a:p>
         </p:txBody>
       </p:sp>
@@ -6055,12 +6053,8 @@
           </a:p>
           <a:p>
             <a:r>
-              <a:rPr lang="fr-FR" sz="1200"/>
-              <a:t>TTP </a:t>
-            </a:r>
-            <a:r>
               <a:rPr lang="fr-FR" sz="1200" dirty="0"/>
-              <a:t>POST /audio :</a:t>
+              <a:t>HTTP POST /audio :</a:t>
             </a:r>
           </a:p>
           <a:p>
@@ -6501,6 +6495,393 @@
           </a:fontRef>
         </p:style>
       </p:cxnSp>
+      <p:sp>
+        <p:nvSpPr>
+          <p:cNvPr id="59" name="ZoneTexte 58">
+            <a:extLst>
+              <a:ext uri="{FF2B5EF4-FFF2-40B4-BE49-F238E27FC236}">
+                <a16:creationId xmlns:a16="http://schemas.microsoft.com/office/drawing/2014/main" id="{87FA5AD6-9A90-235F-C88B-75110C41E4D1}"/>
+              </a:ext>
+            </a:extLst>
+          </p:cNvPr>
+          <p:cNvSpPr txBox="1"/>
+          <p:nvPr/>
+        </p:nvSpPr>
+        <p:spPr>
+          <a:xfrm>
+            <a:off x="8380509" y="4143095"/>
+            <a:ext cx="2744069" cy="1785104"/>
+          </a:xfrm>
+          <a:prstGeom prst="rect">
+            <a:avLst/>
+          </a:prstGeom>
+          <a:noFill/>
+        </p:spPr>
+        <p:txBody>
+          <a:bodyPr wrap="square" rtlCol="0">
+            <a:spAutoFit/>
+          </a:bodyPr>
+          <a:lstStyle/>
+          <a:p>
+            <a:r>
+              <a:rPr lang="fr-FR" sz="1100" b="1" u="sng" dirty="0"/>
+              <a:t>Etape 3</a:t>
+            </a:r>
+          </a:p>
+          <a:p>
+            <a:r>
+              <a:rPr lang="fr-FR" sz="1100" dirty="0"/>
+              <a:t>On reçoit </a:t>
+            </a:r>
+            <a:r>
+              <a:rPr lang="fr-FR" sz="1100" dirty="0" err="1"/>
+              <a:t>l’id</a:t>
+            </a:r>
+            <a:r>
+              <a:rPr lang="fr-FR" sz="1100" dirty="0"/>
+              <a:t> qui nous permet d’aller chercher la donnée dans Redis. On traite le message et renvoie un event à toutes les API frontales</a:t>
+            </a:r>
+          </a:p>
+          <a:p>
+            <a:r>
+              <a:rPr lang="fr-FR" sz="1100" dirty="0"/>
+              <a:t>HTTP POST /event-/</a:t>
+            </a:r>
+            <a:r>
+              <a:rPr lang="fr-FR" sz="1100" dirty="0" err="1"/>
+              <a:t>ia-worker</a:t>
+            </a:r>
+            <a:r>
+              <a:rPr lang="fr-FR" sz="1100" dirty="0"/>
+              <a:t>/</a:t>
+            </a:r>
+            <a:r>
+              <a:rPr lang="fr-FR" sz="1100" dirty="0" err="1"/>
+              <a:t>transcribe</a:t>
+            </a:r>
+            <a:br>
+              <a:rPr lang="fr-FR" sz="1100" dirty="0"/>
+            </a:br>
+            <a:r>
+              <a:rPr lang="fr-FR" sz="1100" dirty="0"/>
+              <a:t>- </a:t>
+            </a:r>
+            <a:r>
+              <a:rPr lang="fr-FR" sz="1100" dirty="0" err="1"/>
+              <a:t>transciption</a:t>
+            </a:r>
+            <a:endParaRPr lang="fr-FR" sz="1100" dirty="0"/>
+          </a:p>
+          <a:p>
+            <a:r>
+              <a:rPr lang="fr-FR" sz="1100" dirty="0"/>
+              <a:t>- Index du </a:t>
+            </a:r>
+            <a:r>
+              <a:rPr lang="fr-FR" sz="1100" dirty="0" err="1"/>
+              <a:t>chunk</a:t>
+            </a:r>
+            <a:endParaRPr lang="fr-FR" sz="1100" dirty="0"/>
+          </a:p>
+          <a:p>
+            <a:r>
+              <a:rPr lang="fr-FR" sz="1100" dirty="0"/>
+              <a:t>- </a:t>
+            </a:r>
+            <a:r>
+              <a:rPr lang="fr-FR" sz="1100" dirty="0" err="1"/>
+              <a:t>clientID</a:t>
+            </a:r>
+            <a:endParaRPr lang="fr-FR" sz="1100" dirty="0"/>
+          </a:p>
+          <a:p>
+            <a:endParaRPr lang="fr-FR" sz="1100" dirty="0"/>
+          </a:p>
+        </p:txBody>
+      </p:sp>
+      <p:cxnSp>
+        <p:nvCxnSpPr>
+          <p:cNvPr id="62" name="Connecteur droit avec flèche 61">
+            <a:extLst>
+              <a:ext uri="{FF2B5EF4-FFF2-40B4-BE49-F238E27FC236}">
+                <a16:creationId xmlns:a16="http://schemas.microsoft.com/office/drawing/2014/main" id="{64D35670-060B-AA8D-E2E6-36A123A0582E}"/>
+              </a:ext>
+            </a:extLst>
+          </p:cNvPr>
+          <p:cNvCxnSpPr>
+            <a:cxnSpLocks/>
+            <a:endCxn id="21" idx="1"/>
+          </p:cNvCxnSpPr>
+          <p:nvPr/>
+        </p:nvCxnSpPr>
+        <p:spPr>
+          <a:xfrm>
+            <a:off x="8062722" y="2599455"/>
+            <a:ext cx="1296807" cy="13117"/>
+          </a:xfrm>
+          <a:prstGeom prst="straightConnector1">
+            <a:avLst/>
+          </a:prstGeom>
+          <a:ln w="25400">
+            <a:solidFill>
+              <a:srgbClr val="00B050"/>
+            </a:solidFill>
+            <a:headEnd type="none"/>
+            <a:tailEnd type="triangle"/>
+          </a:ln>
+        </p:spPr>
+        <p:style>
+          <a:lnRef idx="1">
+            <a:schemeClr val="accent1"/>
+          </a:lnRef>
+          <a:fillRef idx="0">
+            <a:schemeClr val="accent1"/>
+          </a:fillRef>
+          <a:effectRef idx="0">
+            <a:schemeClr val="accent1"/>
+          </a:effectRef>
+          <a:fontRef idx="minor">
+            <a:schemeClr val="tx1"/>
+          </a:fontRef>
+        </p:style>
+      </p:cxnSp>
+      <p:cxnSp>
+        <p:nvCxnSpPr>
+          <p:cNvPr id="1028" name="Connecteur droit avec flèche 1027">
+            <a:extLst>
+              <a:ext uri="{FF2B5EF4-FFF2-40B4-BE49-F238E27FC236}">
+                <a16:creationId xmlns:a16="http://schemas.microsoft.com/office/drawing/2014/main" id="{49A0741B-B6C6-E44C-AEDA-34C6D053D22A}"/>
+              </a:ext>
+            </a:extLst>
+          </p:cNvPr>
+          <p:cNvCxnSpPr>
+            <a:cxnSpLocks/>
+          </p:cNvCxnSpPr>
+          <p:nvPr/>
+        </p:nvCxnSpPr>
+        <p:spPr>
+          <a:xfrm flipH="1">
+            <a:off x="8095588" y="2790706"/>
+            <a:ext cx="1231075" cy="167620"/>
+          </a:xfrm>
+          <a:prstGeom prst="straightConnector1">
+            <a:avLst/>
+          </a:prstGeom>
+          <a:ln w="25400">
+            <a:solidFill>
+              <a:srgbClr val="00B050"/>
+            </a:solidFill>
+            <a:headEnd type="none"/>
+            <a:tailEnd type="triangle"/>
+          </a:ln>
+        </p:spPr>
+        <p:style>
+          <a:lnRef idx="1">
+            <a:schemeClr val="accent1"/>
+          </a:lnRef>
+          <a:fillRef idx="0">
+            <a:schemeClr val="accent1"/>
+          </a:fillRef>
+          <a:effectRef idx="0">
+            <a:schemeClr val="accent1"/>
+          </a:effectRef>
+          <a:fontRef idx="minor">
+            <a:schemeClr val="tx1"/>
+          </a:fontRef>
+        </p:style>
+      </p:cxnSp>
+      <p:sp>
+        <p:nvSpPr>
+          <p:cNvPr id="1034" name="Rectangle 1033">
+            <a:extLst>
+              <a:ext uri="{FF2B5EF4-FFF2-40B4-BE49-F238E27FC236}">
+                <a16:creationId xmlns:a16="http://schemas.microsoft.com/office/drawing/2014/main" id="{62E2985C-BEE6-4B84-6ECE-5ED8AC4FE2D8}"/>
+              </a:ext>
+            </a:extLst>
+          </p:cNvPr>
+          <p:cNvSpPr/>
+          <p:nvPr/>
+        </p:nvSpPr>
+        <p:spPr>
+          <a:xfrm>
+            <a:off x="4430924" y="3372287"/>
+            <a:ext cx="1030942" cy="735106"/>
+          </a:xfrm>
+          <a:prstGeom prst="rect">
+            <a:avLst/>
+          </a:prstGeom>
+        </p:spPr>
+        <p:style>
+          <a:lnRef idx="2">
+            <a:schemeClr val="accent1">
+              <a:shade val="15000"/>
+            </a:schemeClr>
+          </a:lnRef>
+          <a:fillRef idx="1">
+            <a:schemeClr val="accent1"/>
+          </a:fillRef>
+          <a:effectRef idx="0">
+            <a:schemeClr val="accent1"/>
+          </a:effectRef>
+          <a:fontRef idx="minor">
+            <a:schemeClr val="lt1"/>
+          </a:fontRef>
+        </p:style>
+        <p:txBody>
+          <a:bodyPr rtlCol="0" anchor="ctr"/>
+          <a:lstStyle/>
+          <a:p>
+            <a:pPr algn="ctr"/>
+            <a:r>
+              <a:rPr lang="fr-FR" dirty="0"/>
+              <a:t>API Fast API</a:t>
+            </a:r>
+          </a:p>
+        </p:txBody>
+      </p:sp>
+      <p:cxnSp>
+        <p:nvCxnSpPr>
+          <p:cNvPr id="1035" name="Connecteur droit avec flèche 1034">
+            <a:extLst>
+              <a:ext uri="{FF2B5EF4-FFF2-40B4-BE49-F238E27FC236}">
+                <a16:creationId xmlns:a16="http://schemas.microsoft.com/office/drawing/2014/main" id="{C2030735-1038-81AE-BB46-A711E8C959E1}"/>
+              </a:ext>
+            </a:extLst>
+          </p:cNvPr>
+          <p:cNvCxnSpPr>
+            <a:cxnSpLocks/>
+            <a:endCxn id="1034" idx="3"/>
+          </p:cNvCxnSpPr>
+          <p:nvPr/>
+        </p:nvCxnSpPr>
+        <p:spPr>
+          <a:xfrm flipH="1">
+            <a:off x="5461866" y="2975859"/>
+            <a:ext cx="1569914" cy="763981"/>
+          </a:xfrm>
+          <a:prstGeom prst="straightConnector1">
+            <a:avLst/>
+          </a:prstGeom>
+          <a:ln w="25400">
+            <a:solidFill>
+              <a:srgbClr val="00B050"/>
+            </a:solidFill>
+            <a:headEnd type="none"/>
+            <a:tailEnd type="triangle"/>
+          </a:ln>
+        </p:spPr>
+        <p:style>
+          <a:lnRef idx="1">
+            <a:schemeClr val="accent1"/>
+          </a:lnRef>
+          <a:fillRef idx="0">
+            <a:schemeClr val="accent1"/>
+          </a:fillRef>
+          <a:effectRef idx="0">
+            <a:schemeClr val="accent1"/>
+          </a:effectRef>
+          <a:fontRef idx="minor">
+            <a:schemeClr val="tx1"/>
+          </a:fontRef>
+        </p:style>
+      </p:cxnSp>
+      <p:cxnSp>
+        <p:nvCxnSpPr>
+          <p:cNvPr id="1038" name="Connecteur droit avec flèche 1037">
+            <a:extLst>
+              <a:ext uri="{FF2B5EF4-FFF2-40B4-BE49-F238E27FC236}">
+                <a16:creationId xmlns:a16="http://schemas.microsoft.com/office/drawing/2014/main" id="{A0890B56-B0CE-4704-87A3-FABBC42E6283}"/>
+              </a:ext>
+            </a:extLst>
+          </p:cNvPr>
+          <p:cNvCxnSpPr>
+            <a:cxnSpLocks/>
+          </p:cNvCxnSpPr>
+          <p:nvPr/>
+        </p:nvCxnSpPr>
+        <p:spPr>
+          <a:xfrm flipH="1">
+            <a:off x="5461865" y="2958326"/>
+            <a:ext cx="1537049" cy="0"/>
+          </a:xfrm>
+          <a:prstGeom prst="straightConnector1">
+            <a:avLst/>
+          </a:prstGeom>
+          <a:ln w="25400">
+            <a:solidFill>
+              <a:srgbClr val="00B050"/>
+            </a:solidFill>
+            <a:headEnd type="none"/>
+            <a:tailEnd type="triangle"/>
+          </a:ln>
+        </p:spPr>
+        <p:style>
+          <a:lnRef idx="1">
+            <a:schemeClr val="accent1"/>
+          </a:lnRef>
+          <a:fillRef idx="0">
+            <a:schemeClr val="accent1"/>
+          </a:fillRef>
+          <a:effectRef idx="0">
+            <a:schemeClr val="accent1"/>
+          </a:effectRef>
+          <a:fontRef idx="minor">
+            <a:schemeClr val="tx1"/>
+          </a:fontRef>
+        </p:style>
+      </p:cxnSp>
+      <p:sp>
+        <p:nvSpPr>
+          <p:cNvPr id="1041" name="ZoneTexte 1040">
+            <a:extLst>
+              <a:ext uri="{FF2B5EF4-FFF2-40B4-BE49-F238E27FC236}">
+                <a16:creationId xmlns:a16="http://schemas.microsoft.com/office/drawing/2014/main" id="{24226D0E-C328-264D-3B5D-98F2FFDF7B60}"/>
+              </a:ext>
+            </a:extLst>
+          </p:cNvPr>
+          <p:cNvSpPr txBox="1"/>
+          <p:nvPr/>
+        </p:nvSpPr>
+        <p:spPr>
+          <a:xfrm>
+            <a:off x="3811492" y="4361519"/>
+            <a:ext cx="2744069" cy="1107996"/>
+          </a:xfrm>
+          <a:prstGeom prst="rect">
+            <a:avLst/>
+          </a:prstGeom>
+          <a:noFill/>
+        </p:spPr>
+        <p:txBody>
+          <a:bodyPr wrap="square" rtlCol="0">
+            <a:spAutoFit/>
+          </a:bodyPr>
+          <a:lstStyle/>
+          <a:p>
+            <a:r>
+              <a:rPr lang="fr-FR" sz="1100" b="1" u="sng" dirty="0"/>
+              <a:t>Etape 4</a:t>
+            </a:r>
+          </a:p>
+          <a:p>
+            <a:r>
+              <a:rPr lang="fr-FR" sz="1100" dirty="0"/>
+              <a:t>La transcription est renvoyé au front web. Le front web peux recevoir les messages dans le désordre. Comme il reçoit le </a:t>
+            </a:r>
+            <a:r>
+              <a:rPr lang="fr-FR" sz="1100" dirty="0" err="1"/>
+              <a:t>chunk</a:t>
+            </a:r>
+            <a:r>
+              <a:rPr lang="fr-FR" sz="1100" dirty="0"/>
+              <a:t> index il peut réordonner le texte. </a:t>
+            </a:r>
+          </a:p>
+          <a:p>
+            <a:endParaRPr lang="fr-FR" sz="1100" dirty="0"/>
+          </a:p>
+        </p:txBody>
+      </p:sp>
     </p:spTree>
     <p:extLst>
       <p:ext uri="{BB962C8B-B14F-4D97-AF65-F5344CB8AC3E}">

--- a/documentation/Architecture.pptx
+++ b/documentation/Architecture.pptx
@@ -5604,8 +5604,8 @@
           <a:p>
             <a:pPr algn="ctr"/>
             <a:r>
-              <a:rPr lang="fr-FR" dirty="0" err="1"/>
-              <a:t>Slimfass</a:t>
+              <a:rPr lang="fr-FR"/>
+              <a:t>Slimfaas</a:t>
             </a:r>
             <a:endParaRPr lang="fr-FR" dirty="0"/>
           </a:p>

--- a/documentation/Architecture.pptx
+++ b/documentation/Architecture.pptx
@@ -5454,7 +5454,7 @@
         </p:nvCxnSpPr>
         <p:spPr>
           <a:xfrm>
-            <a:off x="1216676" y="2554846"/>
+            <a:off x="1216676" y="2622857"/>
             <a:ext cx="3214248" cy="0"/>
           </a:xfrm>
           <a:prstGeom prst="straightConnector1">
@@ -5497,7 +5497,7 @@
         </p:nvSpPr>
         <p:spPr>
           <a:xfrm>
-            <a:off x="1497318" y="3229769"/>
+            <a:off x="1506972" y="3184148"/>
             <a:ext cx="1916807" cy="369332"/>
           </a:xfrm>
           <a:prstGeom prst="rect">
@@ -5540,7 +5540,7 @@
         </p:nvSpPr>
         <p:spPr>
           <a:xfrm>
-            <a:off x="52092" y="-2814"/>
+            <a:off x="0" y="-48420"/>
             <a:ext cx="3677225" cy="523220"/>
           </a:xfrm>
           <a:prstGeom prst="rect">
@@ -5604,7 +5604,7 @@
           <a:p>
             <a:pPr algn="ctr"/>
             <a:r>
-              <a:rPr lang="fr-FR"/>
+              <a:rPr lang="fr-FR" dirty="0" err="1"/>
               <a:t>Slimfaas</a:t>
             </a:r>
             <a:endParaRPr lang="fr-FR" dirty="0"/>
@@ -5870,8 +5870,8 @@
         </p:nvSpPr>
         <p:spPr>
           <a:xfrm>
-            <a:off x="3956770" y="360441"/>
-            <a:ext cx="2999726" cy="1446550"/>
+            <a:off x="3744614" y="321657"/>
+            <a:ext cx="3271707" cy="1569660"/>
           </a:xfrm>
           <a:prstGeom prst="rect">
             <a:avLst/>
@@ -5885,65 +5885,116 @@
           <a:lstStyle/>
           <a:p>
             <a:r>
-              <a:rPr lang="fr-FR" sz="1100" b="1" u="sng" dirty="0"/>
+              <a:rPr lang="fr-FR" sz="1200" b="1" u="sng" dirty="0"/>
               <a:t>Etape 2</a:t>
             </a:r>
           </a:p>
           <a:p>
             <a:r>
-              <a:rPr lang="fr-FR" sz="1100" dirty="0"/>
+              <a:rPr lang="fr-FR" sz="1200" dirty="0"/>
               <a:t>On pousse les données dans redis avec un ID puis on réalise un appel asynchrone au </a:t>
             </a:r>
             <a:r>
-              <a:rPr lang="fr-FR" sz="1100" dirty="0" err="1"/>
+              <a:rPr lang="fr-FR" sz="1200" dirty="0" err="1"/>
               <a:t>worker</a:t>
             </a:r>
             <a:r>
-              <a:rPr lang="fr-FR" sz="1100" dirty="0"/>
+              <a:rPr lang="fr-FR" sz="1200" dirty="0"/>
               <a:t>.</a:t>
             </a:r>
           </a:p>
           <a:p>
             <a:r>
-              <a:rPr lang="fr-FR" sz="1100" dirty="0"/>
-              <a:t>Il n’y a pas de notion d’ordre le traitement des message peut-être parallélisé.</a:t>
-            </a:r>
-          </a:p>
-          <a:p>
-            <a:r>
-              <a:rPr lang="fr-FR" sz="1100" dirty="0"/>
+              <a:rPr lang="fr-FR" sz="1200" dirty="0"/>
+              <a:t>Le traitement des messages est parallélisé.</a:t>
+            </a:r>
+          </a:p>
+          <a:p>
+            <a:endParaRPr lang="fr-FR" sz="1200" dirty="0"/>
+          </a:p>
+          <a:p>
+            <a:r>
+              <a:rPr lang="fr-FR" sz="1200" dirty="0">
+                <a:solidFill>
+                  <a:schemeClr val="accent6">
+                    <a:lumMod val="75000"/>
+                  </a:schemeClr>
+                </a:solidFill>
+              </a:rPr>
               <a:t>HTTP POST /</a:t>
             </a:r>
             <a:r>
-              <a:rPr lang="fr-FR" sz="1100" dirty="0" err="1"/>
+              <a:rPr lang="fr-FR" sz="1200" dirty="0" err="1">
+                <a:solidFill>
+                  <a:schemeClr val="accent6">
+                    <a:lumMod val="75000"/>
+                  </a:schemeClr>
+                </a:solidFill>
+              </a:rPr>
               <a:t>async-function</a:t>
             </a:r>
             <a:r>
-              <a:rPr lang="fr-FR" sz="1100" dirty="0"/>
+              <a:rPr lang="fr-FR" sz="1200" dirty="0">
+                <a:solidFill>
+                  <a:schemeClr val="accent6">
+                    <a:lumMod val="75000"/>
+                  </a:schemeClr>
+                </a:solidFill>
+              </a:rPr>
               <a:t>/</a:t>
             </a:r>
             <a:r>
-              <a:rPr lang="fr-FR" sz="1100" dirty="0" err="1"/>
+              <a:rPr lang="fr-FR" sz="1200" dirty="0" err="1">
+                <a:solidFill>
+                  <a:schemeClr val="accent6">
+                    <a:lumMod val="75000"/>
+                  </a:schemeClr>
+                </a:solidFill>
+              </a:rPr>
               <a:t>ia-worker</a:t>
             </a:r>
             <a:r>
-              <a:rPr lang="fr-FR" sz="1100" dirty="0"/>
+              <a:rPr lang="fr-FR" sz="1200" dirty="0">
+                <a:solidFill>
+                  <a:schemeClr val="accent6">
+                    <a:lumMod val="75000"/>
+                  </a:schemeClr>
+                </a:solidFill>
+              </a:rPr>
               <a:t>/</a:t>
             </a:r>
             <a:r>
-              <a:rPr lang="fr-FR" sz="1100" dirty="0" err="1"/>
+              <a:rPr lang="fr-FR" sz="1200" dirty="0" err="1">
+                <a:solidFill>
+                  <a:schemeClr val="accent6">
+                    <a:lumMod val="75000"/>
+                  </a:schemeClr>
+                </a:solidFill>
+              </a:rPr>
               <a:t>transcribe</a:t>
             </a:r>
             <a:br>
-              <a:rPr lang="fr-FR" sz="1100" dirty="0"/>
+              <a:rPr lang="fr-FR" sz="1200" dirty="0">
+                <a:solidFill>
+                  <a:schemeClr val="accent6">
+                    <a:lumMod val="75000"/>
+                  </a:schemeClr>
+                </a:solidFill>
+              </a:rPr>
             </a:br>
             <a:r>
-              <a:rPr lang="fr-FR" sz="1100" dirty="0"/>
+              <a:rPr lang="fr-FR" sz="1200" dirty="0">
+                <a:solidFill>
+                  <a:schemeClr val="accent6">
+                    <a:lumMod val="75000"/>
+                  </a:schemeClr>
+                </a:solidFill>
+              </a:rPr>
               <a:t>- id</a:t>
             </a:r>
           </a:p>
           <a:p>
-            <a:endParaRPr lang="fr-FR" sz="1100" dirty="0"/>
+            <a:endParaRPr lang="fr-FR" sz="1200" dirty="0"/>
           </a:p>
         </p:txBody>
       </p:sp>
@@ -6006,7 +6057,7 @@
         </p:nvSpPr>
         <p:spPr>
           <a:xfrm>
-            <a:off x="1470507" y="475797"/>
+            <a:off x="1492759" y="443975"/>
             <a:ext cx="1916807" cy="2123658"/>
           </a:xfrm>
           <a:prstGeom prst="rect">
@@ -6037,15 +6088,7 @@
             </a:r>
             <a:r>
               <a:rPr lang="fr-FR" sz="1200" dirty="0"/>
-              <a:t> (à chaque baisse d’</a:t>
-            </a:r>
-            <a:r>
-              <a:rPr lang="fr-FR" sz="1200" dirty="0" err="1"/>
-              <a:t>intenssité</a:t>
-            </a:r>
-            <a:r>
-              <a:rPr lang="fr-FR" sz="1200" dirty="0"/>
-              <a:t> pendant une période donnée)</a:t>
+              <a:t> (à chaque baisse d’intensité pendant une période donnée)</a:t>
             </a:r>
           </a:p>
           <a:p>
@@ -6053,7 +6096,13 @@
           </a:p>
           <a:p>
             <a:r>
-              <a:rPr lang="fr-FR" sz="1200" dirty="0"/>
+              <a:rPr lang="fr-FR" sz="1200" dirty="0">
+                <a:solidFill>
+                  <a:schemeClr val="accent6">
+                    <a:lumMod val="75000"/>
+                  </a:schemeClr>
+                </a:solidFill>
+              </a:rPr>
               <a:t>HTTP POST /audio :</a:t>
             </a:r>
           </a:p>
@@ -6063,7 +6112,13 @@
               <a:buChar char="-"/>
             </a:pPr>
             <a:r>
-              <a:rPr lang="fr-FR" sz="1200" dirty="0"/>
+              <a:rPr lang="fr-FR" sz="1200" dirty="0">
+                <a:solidFill>
+                  <a:schemeClr val="accent6">
+                    <a:lumMod val="75000"/>
+                  </a:schemeClr>
+                </a:solidFill>
+              </a:rPr>
               <a:t>Stream du son</a:t>
             </a:r>
           </a:p>
@@ -6073,14 +6128,32 @@
               <a:buChar char="-"/>
             </a:pPr>
             <a:r>
-              <a:rPr lang="fr-FR" sz="1200" dirty="0"/>
+              <a:rPr lang="fr-FR" sz="1200" dirty="0">
+                <a:solidFill>
+                  <a:schemeClr val="accent6">
+                    <a:lumMod val="75000"/>
+                  </a:schemeClr>
+                </a:solidFill>
+              </a:rPr>
               <a:t>Index du </a:t>
             </a:r>
             <a:r>
-              <a:rPr lang="fr-FR" sz="1200" dirty="0" err="1"/>
+              <a:rPr lang="fr-FR" sz="1200" dirty="0" err="1">
+                <a:solidFill>
+                  <a:schemeClr val="accent6">
+                    <a:lumMod val="75000"/>
+                  </a:schemeClr>
+                </a:solidFill>
+              </a:rPr>
               <a:t>chunk</a:t>
             </a:r>
-            <a:endParaRPr lang="fr-FR" sz="1200" dirty="0"/>
+            <a:endParaRPr lang="fr-FR" sz="1200" dirty="0">
+              <a:solidFill>
+                <a:schemeClr val="accent6">
+                  <a:lumMod val="75000"/>
+                </a:schemeClr>
+              </a:solidFill>
+            </a:endParaRPr>
           </a:p>
           <a:p>
             <a:pPr marL="171450" indent="-171450">
@@ -6088,10 +6161,22 @@
               <a:buChar char="-"/>
             </a:pPr>
             <a:r>
-              <a:rPr lang="fr-FR" sz="1200" dirty="0" err="1"/>
+              <a:rPr lang="fr-FR" sz="1200" dirty="0" err="1">
+                <a:solidFill>
+                  <a:schemeClr val="accent6">
+                    <a:lumMod val="75000"/>
+                  </a:schemeClr>
+                </a:solidFill>
+              </a:rPr>
               <a:t>ClientID</a:t>
             </a:r>
-            <a:endParaRPr lang="fr-FR" sz="1200" dirty="0"/>
+            <a:endParaRPr lang="fr-FR" sz="1200" dirty="0">
+              <a:solidFill>
+                <a:schemeClr val="accent6">
+                  <a:lumMod val="75000"/>
+                </a:schemeClr>
+              </a:solidFill>
+            </a:endParaRPr>
           </a:p>
         </p:txBody>
       </p:sp>
@@ -6510,7 +6595,7 @@
         <p:spPr>
           <a:xfrm>
             <a:off x="8380509" y="4143095"/>
-            <a:ext cx="2744069" cy="1785104"/>
+            <a:ext cx="3333436" cy="1938992"/>
           </a:xfrm>
           <a:prstGeom prst="rect">
             <a:avLst/>
@@ -6524,78 +6609,185 @@
           <a:lstStyle/>
           <a:p>
             <a:r>
-              <a:rPr lang="fr-FR" sz="1100" b="1" u="sng" dirty="0"/>
+              <a:rPr lang="fr-FR" sz="1200" b="1" u="sng" dirty="0"/>
               <a:t>Etape 3</a:t>
             </a:r>
           </a:p>
           <a:p>
             <a:r>
-              <a:rPr lang="fr-FR" sz="1100" dirty="0"/>
+              <a:rPr lang="fr-FR" sz="1200" dirty="0"/>
               <a:t>On reçoit </a:t>
             </a:r>
             <a:r>
-              <a:rPr lang="fr-FR" sz="1100" dirty="0" err="1"/>
+              <a:rPr lang="fr-FR" sz="1200" dirty="0" err="1"/>
               <a:t>l’id</a:t>
             </a:r>
             <a:r>
-              <a:rPr lang="fr-FR" sz="1100" dirty="0"/>
+              <a:rPr lang="fr-FR" sz="1200" dirty="0"/>
               <a:t> qui nous permet d’aller chercher la donnée dans Redis. On traite le message et renvoie un event à toutes les API frontales</a:t>
             </a:r>
           </a:p>
           <a:p>
-            <a:r>
-              <a:rPr lang="fr-FR" sz="1100" dirty="0"/>
-              <a:t>HTTP POST /event-/</a:t>
-            </a:r>
-            <a:r>
-              <a:rPr lang="fr-FR" sz="1100" dirty="0" err="1"/>
+            <a:endParaRPr lang="fr-FR" sz="1200" dirty="0"/>
+          </a:p>
+          <a:p>
+            <a:r>
+              <a:rPr lang="fr-FR" sz="1200" dirty="0">
+                <a:solidFill>
+                  <a:schemeClr val="accent6">
+                    <a:lumMod val="75000"/>
+                  </a:schemeClr>
+                </a:solidFill>
+              </a:rPr>
+              <a:t>HTTP POST /</a:t>
+            </a:r>
+            <a:r>
+              <a:rPr lang="fr-FR" sz="1200" dirty="0" err="1">
+                <a:solidFill>
+                  <a:schemeClr val="accent6">
+                    <a:lumMod val="75000"/>
+                  </a:schemeClr>
+                </a:solidFill>
+              </a:rPr>
+              <a:t>publish</a:t>
+            </a:r>
+            <a:r>
+              <a:rPr lang="fr-FR" sz="1200" dirty="0">
+                <a:solidFill>
+                  <a:schemeClr val="accent6">
+                    <a:lumMod val="75000"/>
+                  </a:schemeClr>
+                </a:solidFill>
+              </a:rPr>
+              <a:t>-event/</a:t>
+            </a:r>
+            <a:r>
+              <a:rPr lang="fr-FR" sz="1200" dirty="0" err="1">
+                <a:solidFill>
+                  <a:schemeClr val="accent6">
+                    <a:lumMod val="75000"/>
+                  </a:schemeClr>
+                </a:solidFill>
+              </a:rPr>
               <a:t>ia-worker</a:t>
             </a:r>
             <a:r>
-              <a:rPr lang="fr-FR" sz="1100" dirty="0"/>
+              <a:rPr lang="fr-FR" sz="1200" dirty="0">
+                <a:solidFill>
+                  <a:schemeClr val="accent6">
+                    <a:lumMod val="75000"/>
+                  </a:schemeClr>
+                </a:solidFill>
+              </a:rPr>
               <a:t>/</a:t>
             </a:r>
             <a:r>
-              <a:rPr lang="fr-FR" sz="1100" dirty="0" err="1"/>
+              <a:rPr lang="fr-FR" sz="1200" dirty="0" err="1">
+                <a:solidFill>
+                  <a:schemeClr val="accent6">
+                    <a:lumMod val="75000"/>
+                  </a:schemeClr>
+                </a:solidFill>
+              </a:rPr>
               <a:t>transcribe</a:t>
             </a:r>
             <a:br>
-              <a:rPr lang="fr-FR" sz="1100" dirty="0"/>
+              <a:rPr lang="fr-FR" sz="1200" dirty="0">
+                <a:solidFill>
+                  <a:schemeClr val="accent6">
+                    <a:lumMod val="75000"/>
+                  </a:schemeClr>
+                </a:solidFill>
+              </a:rPr>
             </a:br>
             <a:r>
-              <a:rPr lang="fr-FR" sz="1100" dirty="0"/>
+              <a:rPr lang="fr-FR" sz="1200" dirty="0">
+                <a:solidFill>
+                  <a:schemeClr val="accent6">
+                    <a:lumMod val="75000"/>
+                  </a:schemeClr>
+                </a:solidFill>
+              </a:rPr>
               <a:t>- </a:t>
             </a:r>
             <a:r>
-              <a:rPr lang="fr-FR" sz="1100" dirty="0" err="1"/>
-              <a:t>transciption</a:t>
-            </a:r>
-            <a:endParaRPr lang="fr-FR" sz="1100" dirty="0"/>
-          </a:p>
-          <a:p>
-            <a:r>
-              <a:rPr lang="fr-FR" sz="1100" dirty="0"/>
+              <a:rPr lang="fr-FR" sz="1200" dirty="0" err="1">
+                <a:solidFill>
+                  <a:schemeClr val="accent6">
+                    <a:lumMod val="75000"/>
+                  </a:schemeClr>
+                </a:solidFill>
+              </a:rPr>
+              <a:t>Transciption</a:t>
+            </a:r>
+            <a:endParaRPr lang="fr-FR" sz="1200" dirty="0">
+              <a:solidFill>
+                <a:schemeClr val="accent6">
+                  <a:lumMod val="75000"/>
+                </a:schemeClr>
+              </a:solidFill>
+            </a:endParaRPr>
+          </a:p>
+          <a:p>
+            <a:r>
+              <a:rPr lang="fr-FR" sz="1200" dirty="0">
+                <a:solidFill>
+                  <a:schemeClr val="accent6">
+                    <a:lumMod val="75000"/>
+                  </a:schemeClr>
+                </a:solidFill>
+              </a:rPr>
               <a:t>- Index du </a:t>
             </a:r>
             <a:r>
-              <a:rPr lang="fr-FR" sz="1100" dirty="0" err="1"/>
+              <a:rPr lang="fr-FR" sz="1200" dirty="0" err="1">
+                <a:solidFill>
+                  <a:schemeClr val="accent6">
+                    <a:lumMod val="75000"/>
+                  </a:schemeClr>
+                </a:solidFill>
+              </a:rPr>
               <a:t>chunk</a:t>
             </a:r>
-            <a:endParaRPr lang="fr-FR" sz="1100" dirty="0"/>
-          </a:p>
-          <a:p>
-            <a:r>
-              <a:rPr lang="fr-FR" sz="1100" dirty="0"/>
+            <a:endParaRPr lang="fr-FR" sz="1200" dirty="0">
+              <a:solidFill>
+                <a:schemeClr val="accent6">
+                  <a:lumMod val="75000"/>
+                </a:schemeClr>
+              </a:solidFill>
+            </a:endParaRPr>
+          </a:p>
+          <a:p>
+            <a:r>
+              <a:rPr lang="fr-FR" sz="1200" dirty="0">
+                <a:solidFill>
+                  <a:schemeClr val="accent6">
+                    <a:lumMod val="75000"/>
+                  </a:schemeClr>
+                </a:solidFill>
+              </a:rPr>
               <a:t>- </a:t>
             </a:r>
             <a:r>
-              <a:rPr lang="fr-FR" sz="1100" dirty="0" err="1"/>
+              <a:rPr lang="fr-FR" sz="1200" dirty="0" err="1">
+                <a:solidFill>
+                  <a:schemeClr val="accent6">
+                    <a:lumMod val="75000"/>
+                  </a:schemeClr>
+                </a:solidFill>
+              </a:rPr>
               <a:t>clientID</a:t>
             </a:r>
-            <a:endParaRPr lang="fr-FR" sz="1100" dirty="0"/>
-          </a:p>
-          <a:p>
-            <a:endParaRPr lang="fr-FR" sz="1100" dirty="0"/>
+            <a:endParaRPr lang="fr-FR" sz="1200" dirty="0">
+              <a:solidFill>
+                <a:schemeClr val="accent6">
+                  <a:lumMod val="75000"/>
+                </a:schemeClr>
+              </a:solidFill>
+            </a:endParaRPr>
+          </a:p>
+          <a:p>
+            <a:endParaRPr lang="fr-FR" sz="1200" dirty="0"/>
           </a:p>
         </p:txBody>
       </p:sp>
@@ -6802,7 +6994,7 @@
         <p:spPr>
           <a:xfrm flipH="1">
             <a:off x="5461865" y="2958326"/>
-            <a:ext cx="1537049" cy="0"/>
+            <a:ext cx="1569915" cy="0"/>
           </a:xfrm>
           <a:prstGeom prst="straightConnector1">
             <a:avLst/>
@@ -6845,7 +7037,7 @@
         <p:spPr>
           <a:xfrm>
             <a:off x="3811492" y="4361519"/>
-            <a:ext cx="2744069" cy="1107996"/>
+            <a:ext cx="2744069" cy="1384995"/>
           </a:xfrm>
           <a:prstGeom prst="rect">
             <a:avLst/>
@@ -6859,26 +7051,26 @@
           <a:lstStyle/>
           <a:p>
             <a:r>
-              <a:rPr lang="fr-FR" sz="1100" b="1" u="sng" dirty="0"/>
+              <a:rPr lang="fr-FR" sz="1200" b="1" u="sng" dirty="0"/>
               <a:t>Etape 4</a:t>
             </a:r>
           </a:p>
           <a:p>
             <a:r>
-              <a:rPr lang="fr-FR" sz="1100" dirty="0"/>
-              <a:t>La transcription est renvoyé au front web. Le front web peux recevoir les messages dans le désordre. Comme il reçoit le </a:t>
-            </a:r>
-            <a:r>
-              <a:rPr lang="fr-FR" sz="1100" dirty="0" err="1"/>
+              <a:rPr lang="fr-FR" sz="1200" dirty="0"/>
+              <a:t>La transcription est renvoyé au front web. Le front web via un event, il peux recevoir les messages dans le désordre. Comme il reçoit le </a:t>
+            </a:r>
+            <a:r>
+              <a:rPr lang="fr-FR" sz="1200" dirty="0" err="1"/>
               <a:t>chunk</a:t>
             </a:r>
             <a:r>
-              <a:rPr lang="fr-FR" sz="1100" dirty="0"/>
-              <a:t> index il peut réordonner le texte. </a:t>
-            </a:r>
-          </a:p>
-          <a:p>
-            <a:endParaRPr lang="fr-FR" sz="1100" dirty="0"/>
+              <a:rPr lang="fr-FR" sz="1200" dirty="0"/>
+              <a:t> index il peut réordonner le texte si besoin. </a:t>
+            </a:r>
+          </a:p>
+          <a:p>
+            <a:endParaRPr lang="fr-FR" sz="1200" dirty="0"/>
           </a:p>
         </p:txBody>
       </p:sp>

--- a/documentation/Architecture.pptx
+++ b/documentation/Architecture.pptx
@@ -262,7 +262,7 @@
           <a:p>
             <a:fld id="{2FADB740-130C-40E2-9E3D-8BF44594D57F}" type="datetimeFigureOut">
               <a:rPr lang="fr-FR" smtClean="0"/>
-              <a:t>30/10/2024</a:t>
+              <a:t>01/11/2024</a:t>
             </a:fld>
             <a:endParaRPr lang="fr-FR"/>
           </a:p>
@@ -460,7 +460,7 @@
           <a:p>
             <a:fld id="{2FADB740-130C-40E2-9E3D-8BF44594D57F}" type="datetimeFigureOut">
               <a:rPr lang="fr-FR" smtClean="0"/>
-              <a:t>30/10/2024</a:t>
+              <a:t>01/11/2024</a:t>
             </a:fld>
             <a:endParaRPr lang="fr-FR"/>
           </a:p>
@@ -668,7 +668,7 @@
           <a:p>
             <a:fld id="{2FADB740-130C-40E2-9E3D-8BF44594D57F}" type="datetimeFigureOut">
               <a:rPr lang="fr-FR" smtClean="0"/>
-              <a:t>30/10/2024</a:t>
+              <a:t>01/11/2024</a:t>
             </a:fld>
             <a:endParaRPr lang="fr-FR"/>
           </a:p>
@@ -866,7 +866,7 @@
           <a:p>
             <a:fld id="{2FADB740-130C-40E2-9E3D-8BF44594D57F}" type="datetimeFigureOut">
               <a:rPr lang="fr-FR" smtClean="0"/>
-              <a:t>30/10/2024</a:t>
+              <a:t>01/11/2024</a:t>
             </a:fld>
             <a:endParaRPr lang="fr-FR"/>
           </a:p>
@@ -1141,7 +1141,7 @@
           <a:p>
             <a:fld id="{2FADB740-130C-40E2-9E3D-8BF44594D57F}" type="datetimeFigureOut">
               <a:rPr lang="fr-FR" smtClean="0"/>
-              <a:t>30/10/2024</a:t>
+              <a:t>01/11/2024</a:t>
             </a:fld>
             <a:endParaRPr lang="fr-FR"/>
           </a:p>
@@ -1406,7 +1406,7 @@
           <a:p>
             <a:fld id="{2FADB740-130C-40E2-9E3D-8BF44594D57F}" type="datetimeFigureOut">
               <a:rPr lang="fr-FR" smtClean="0"/>
-              <a:t>30/10/2024</a:t>
+              <a:t>01/11/2024</a:t>
             </a:fld>
             <a:endParaRPr lang="fr-FR"/>
           </a:p>
@@ -1818,7 +1818,7 @@
           <a:p>
             <a:fld id="{2FADB740-130C-40E2-9E3D-8BF44594D57F}" type="datetimeFigureOut">
               <a:rPr lang="fr-FR" smtClean="0"/>
-              <a:t>30/10/2024</a:t>
+              <a:t>01/11/2024</a:t>
             </a:fld>
             <a:endParaRPr lang="fr-FR"/>
           </a:p>
@@ -1959,7 +1959,7 @@
           <a:p>
             <a:fld id="{2FADB740-130C-40E2-9E3D-8BF44594D57F}" type="datetimeFigureOut">
               <a:rPr lang="fr-FR" smtClean="0"/>
-              <a:t>30/10/2024</a:t>
+              <a:t>01/11/2024</a:t>
             </a:fld>
             <a:endParaRPr lang="fr-FR"/>
           </a:p>
@@ -2072,7 +2072,7 @@
           <a:p>
             <a:fld id="{2FADB740-130C-40E2-9E3D-8BF44594D57F}" type="datetimeFigureOut">
               <a:rPr lang="fr-FR" smtClean="0"/>
-              <a:t>30/10/2024</a:t>
+              <a:t>01/11/2024</a:t>
             </a:fld>
             <a:endParaRPr lang="fr-FR"/>
           </a:p>
@@ -2383,7 +2383,7 @@
           <a:p>
             <a:fld id="{2FADB740-130C-40E2-9E3D-8BF44594D57F}" type="datetimeFigureOut">
               <a:rPr lang="fr-FR" smtClean="0"/>
-              <a:t>30/10/2024</a:t>
+              <a:t>01/11/2024</a:t>
             </a:fld>
             <a:endParaRPr lang="fr-FR"/>
           </a:p>
@@ -2671,7 +2671,7 @@
           <a:p>
             <a:fld id="{2FADB740-130C-40E2-9E3D-8BF44594D57F}" type="datetimeFigureOut">
               <a:rPr lang="fr-FR" smtClean="0"/>
-              <a:t>30/10/2024</a:t>
+              <a:t>01/11/2024</a:t>
             </a:fld>
             <a:endParaRPr lang="fr-FR"/>
           </a:p>
@@ -2912,7 +2912,7 @@
           <a:p>
             <a:fld id="{2FADB740-130C-40E2-9E3D-8BF44594D57F}" type="datetimeFigureOut">
               <a:rPr lang="fr-FR" smtClean="0"/>
-              <a:t>30/10/2024</a:t>
+              <a:t>01/11/2024</a:t>
             </a:fld>
             <a:endParaRPr lang="fr-FR"/>
           </a:p>
@@ -5316,8 +5316,8 @@
         </p:nvSpPr>
         <p:spPr>
           <a:xfrm>
-            <a:off x="3729317" y="67377"/>
-            <a:ext cx="8273385" cy="6304548"/>
+            <a:off x="2456073" y="626663"/>
+            <a:ext cx="9546629" cy="5745262"/>
           </a:xfrm>
           <a:prstGeom prst="rect">
             <a:avLst/>
@@ -5368,7 +5368,7 @@
         </p:nvSpPr>
         <p:spPr>
           <a:xfrm>
-            <a:off x="8272642" y="134391"/>
+            <a:off x="8272642" y="669917"/>
             <a:ext cx="3730060" cy="369332"/>
           </a:xfrm>
           <a:prstGeom prst="rect">
@@ -5455,7 +5455,7 @@
         <p:spPr>
           <a:xfrm>
             <a:off x="1216676" y="2622857"/>
-            <a:ext cx="3214248" cy="0"/>
+            <a:ext cx="1448749" cy="0"/>
           </a:xfrm>
           <a:prstGeom prst="straightConnector1">
             <a:avLst/>
@@ -5497,8 +5497,8 @@
         </p:nvSpPr>
         <p:spPr>
           <a:xfrm>
-            <a:off x="1506972" y="3184148"/>
-            <a:ext cx="1916807" cy="369332"/>
+            <a:off x="1074487" y="3496050"/>
+            <a:ext cx="1328154" cy="276999"/>
           </a:xfrm>
           <a:prstGeom prst="rect">
             <a:avLst/>
@@ -5512,16 +5512,8 @@
           <a:lstStyle/>
           <a:p>
             <a:r>
-              <a:rPr lang="fr-FR" dirty="0"/>
-              <a:t>HTTP </a:t>
-            </a:r>
-            <a:r>
-              <a:rPr lang="fr-FR" dirty="0" err="1"/>
-              <a:t>EventSource</a:t>
-            </a:r>
-            <a:r>
-              <a:rPr lang="fr-FR" dirty="0"/>
-              <a:t> </a:t>
+              <a:rPr lang="fr-FR" sz="1200" dirty="0"/>
+              <a:t>HTTP EventSource </a:t>
             </a:r>
           </a:p>
         </p:txBody>
@@ -5540,7 +5532,7 @@
         </p:nvSpPr>
         <p:spPr>
           <a:xfrm>
-            <a:off x="0" y="-48420"/>
+            <a:off x="0" y="41464"/>
             <a:ext cx="3677225" cy="523220"/>
           </a:xfrm>
           <a:prstGeom prst="rect">
@@ -5604,10 +5596,9 @@
           <a:p>
             <a:pPr algn="ctr"/>
             <a:r>
-              <a:rPr lang="fr-FR" dirty="0" err="1"/>
+              <a:rPr lang="fr-FR" dirty="0"/>
               <a:t>Slimfaas</a:t>
             </a:r>
-            <a:endParaRPr lang="fr-FR" dirty="0"/>
           </a:p>
         </p:txBody>
       </p:sp>
@@ -5655,13 +5646,8 @@
             <a:pPr algn="ctr"/>
             <a:r>
               <a:rPr lang="fr-FR" sz="1200" dirty="0"/>
-              <a:t>IA </a:t>
-            </a:r>
-            <a:r>
-              <a:rPr lang="fr-FR" sz="1200" dirty="0" err="1"/>
-              <a:t>Worker</a:t>
-            </a:r>
-            <a:endParaRPr lang="fr-FR" sz="1200" dirty="0"/>
+              <a:t>IA Worker</a:t>
+            </a:r>
           </a:p>
         </p:txBody>
       </p:sp>
@@ -5870,8 +5856,8 @@
         </p:nvSpPr>
         <p:spPr>
           <a:xfrm>
-            <a:off x="3744614" y="321657"/>
-            <a:ext cx="3271707" cy="1569660"/>
+            <a:off x="3099907" y="1038016"/>
+            <a:ext cx="3271707" cy="1200329"/>
           </a:xfrm>
           <a:prstGeom prst="rect">
             <a:avLst/>
@@ -5885,28 +5871,8 @@
           <a:lstStyle/>
           <a:p>
             <a:r>
-              <a:rPr lang="fr-FR" sz="1200" b="1" u="sng" dirty="0"/>
-              <a:t>Etape 2</a:t>
-            </a:r>
-          </a:p>
-          <a:p>
-            <a:r>
-              <a:rPr lang="fr-FR" sz="1200" dirty="0"/>
-              <a:t>On pousse les données dans redis avec un ID puis on réalise un appel asynchrone au </a:t>
-            </a:r>
-            <a:r>
-              <a:rPr lang="fr-FR" sz="1200" dirty="0" err="1"/>
-              <a:t>worker</a:t>
-            </a:r>
-            <a:r>
-              <a:rPr lang="fr-FR" sz="1200" dirty="0"/>
-              <a:t>.</a:t>
-            </a:r>
-          </a:p>
-          <a:p>
-            <a:r>
-              <a:rPr lang="fr-FR" sz="1200" dirty="0"/>
-              <a:t>Le traitement des messages est parallélisé.</a:t>
+              <a:rPr lang="fr-FR" sz="2400" b="1" u="sng" dirty="0"/>
+              <a:t>Step 2</a:t>
             </a:r>
           </a:p>
           <a:p>
@@ -5921,57 +5887,7 @@
                   </a:schemeClr>
                 </a:solidFill>
               </a:rPr>
-              <a:t>HTTP POST /</a:t>
-            </a:r>
-            <a:r>
-              <a:rPr lang="fr-FR" sz="1200" dirty="0" err="1">
-                <a:solidFill>
-                  <a:schemeClr val="accent6">
-                    <a:lumMod val="75000"/>
-                  </a:schemeClr>
-                </a:solidFill>
-              </a:rPr>
-              <a:t>async-function</a:t>
-            </a:r>
-            <a:r>
-              <a:rPr lang="fr-FR" sz="1200" dirty="0">
-                <a:solidFill>
-                  <a:schemeClr val="accent6">
-                    <a:lumMod val="75000"/>
-                  </a:schemeClr>
-                </a:solidFill>
-              </a:rPr>
-              <a:t>/</a:t>
-            </a:r>
-            <a:r>
-              <a:rPr lang="fr-FR" sz="1200" dirty="0" err="1">
-                <a:solidFill>
-                  <a:schemeClr val="accent6">
-                    <a:lumMod val="75000"/>
-                  </a:schemeClr>
-                </a:solidFill>
-              </a:rPr>
-              <a:t>ia-worker</a:t>
-            </a:r>
-            <a:r>
-              <a:rPr lang="fr-FR" sz="1200" dirty="0">
-                <a:solidFill>
-                  <a:schemeClr val="accent6">
-                    <a:lumMod val="75000"/>
-                  </a:schemeClr>
-                </a:solidFill>
-              </a:rPr>
-              <a:t>/</a:t>
-            </a:r>
-            <a:r>
-              <a:rPr lang="fr-FR" sz="1200" dirty="0" err="1">
-                <a:solidFill>
-                  <a:schemeClr val="accent6">
-                    <a:lumMod val="75000"/>
-                  </a:schemeClr>
-                </a:solidFill>
-              </a:rPr>
-              <a:t>transcribe</a:t>
+              <a:t>HTTP POST /async-function/ia-worker/transcribe</a:t>
             </a:r>
             <a:br>
               <a:rPr lang="fr-FR" sz="1200" dirty="0">
@@ -6014,8 +5930,8 @@
         </p:nvCxnSpPr>
         <p:spPr>
           <a:xfrm flipH="1">
-            <a:off x="1201434" y="2961830"/>
-            <a:ext cx="3229490" cy="0"/>
+            <a:off x="1201434" y="2958323"/>
+            <a:ext cx="1463990" cy="3507"/>
           </a:xfrm>
           <a:prstGeom prst="straightConnector1">
             <a:avLst/>
@@ -6057,8 +5973,8 @@
         </p:nvSpPr>
         <p:spPr>
           <a:xfrm>
-            <a:off x="1492759" y="443975"/>
-            <a:ext cx="1916807" cy="2123658"/>
+            <a:off x="60900" y="626663"/>
+            <a:ext cx="2350696" cy="1384995"/>
           </a:xfrm>
           <a:prstGeom prst="rect">
             <a:avLst/>
@@ -6072,26 +5988,12 @@
           <a:lstStyle/>
           <a:p>
             <a:r>
-              <a:rPr lang="fr-FR" sz="1200" b="1" u="sng" dirty="0"/>
-              <a:t>Etape 1 </a:t>
+              <a:rPr lang="fr-FR" sz="2400" b="1" u="sng" dirty="0"/>
+              <a:t>Step 1 </a:t>
             </a:r>
             <a:br>
               <a:rPr lang="fr-FR" sz="1200" dirty="0"/>
             </a:br>
-            <a:r>
-              <a:rPr lang="fr-FR" sz="1200" dirty="0"/>
-              <a:t>On découpe le son en plusieurs morceaux </a:t>
-            </a:r>
-            <a:r>
-              <a:rPr lang="fr-FR" sz="1200" dirty="0" err="1"/>
-              <a:t>chunk</a:t>
-            </a:r>
-            <a:r>
-              <a:rPr lang="fr-FR" sz="1200" dirty="0"/>
-              <a:t> (à chaque baisse d’intensité pendant une période donnée)</a:t>
-            </a:r>
-          </a:p>
-          <a:p>
             <a:endParaRPr lang="fr-FR" sz="1200" dirty="0"/>
           </a:p>
           <a:p>
@@ -6103,7 +6005,7 @@
                   </a:schemeClr>
                 </a:solidFill>
               </a:rPr>
-              <a:t>HTTP POST /audio :</a:t>
+              <a:t>HTTP POST function/api/audio :</a:t>
             </a:r>
           </a:p>
           <a:p>
@@ -6119,7 +6021,7 @@
                   </a:schemeClr>
                 </a:solidFill>
               </a:rPr>
-              <a:t>Stream du son</a:t>
+              <a:t>Bytes du son</a:t>
             </a:r>
           </a:p>
           <a:p>
@@ -6135,25 +6037,8 @@
                   </a:schemeClr>
                 </a:solidFill>
               </a:rPr>
-              <a:t>Index du </a:t>
-            </a:r>
-            <a:r>
-              <a:rPr lang="fr-FR" sz="1200" dirty="0" err="1">
-                <a:solidFill>
-                  <a:schemeClr val="accent6">
-                    <a:lumMod val="75000"/>
-                  </a:schemeClr>
-                </a:solidFill>
-              </a:rPr>
-              <a:t>chunk</a:t>
-            </a:r>
-            <a:endParaRPr lang="fr-FR" sz="1200" dirty="0">
-              <a:solidFill>
-                <a:schemeClr val="accent6">
-                  <a:lumMod val="75000"/>
-                </a:schemeClr>
-              </a:solidFill>
-            </a:endParaRPr>
+              <a:t>Index du chunk</a:t>
+            </a:r>
           </a:p>
           <a:p>
             <a:pPr marL="171450" indent="-171450">
@@ -6161,7 +6046,7 @@
               <a:buChar char="-"/>
             </a:pPr>
             <a:r>
-              <a:rPr lang="fr-FR" sz="1200" dirty="0" err="1">
+              <a:rPr lang="fr-FR" sz="1200" dirty="0">
                 <a:solidFill>
                   <a:schemeClr val="accent6">
                     <a:lumMod val="75000"/>
@@ -6170,13 +6055,6 @@
               </a:rPr>
               <a:t>ClientID</a:t>
             </a:r>
-            <a:endParaRPr lang="fr-FR" sz="1200" dirty="0">
-              <a:solidFill>
-                <a:schemeClr val="accent6">
-                  <a:lumMod val="75000"/>
-                </a:schemeClr>
-              </a:solidFill>
-            </a:endParaRPr>
           </a:p>
         </p:txBody>
       </p:sp>
@@ -6224,13 +6102,8 @@
             <a:pPr algn="ctr"/>
             <a:r>
               <a:rPr lang="fr-FR" sz="1200" dirty="0"/>
-              <a:t>IA </a:t>
-            </a:r>
-            <a:r>
-              <a:rPr lang="fr-FR" sz="1200" dirty="0" err="1"/>
-              <a:t>Worker</a:t>
-            </a:r>
-            <a:endParaRPr lang="fr-FR" sz="1200" dirty="0"/>
+              <a:t>IA Worker</a:t>
+            </a:r>
           </a:p>
         </p:txBody>
       </p:sp>
@@ -6377,13 +6250,8 @@
             <a:pPr algn="ctr"/>
             <a:r>
               <a:rPr lang="fr-FR" sz="1200" dirty="0"/>
-              <a:t>IA </a:t>
-            </a:r>
-            <a:r>
-              <a:rPr lang="fr-FR" sz="1200" dirty="0" err="1"/>
-              <a:t>Worker</a:t>
-            </a:r>
-            <a:endParaRPr lang="fr-FR" sz="1200" dirty="0"/>
+              <a:t>IA Worker</a:t>
+            </a:r>
           </a:p>
         </p:txBody>
       </p:sp>
@@ -6594,8 +6462,8 @@
         </p:nvSpPr>
         <p:spPr>
           <a:xfrm>
-            <a:off x="8380509" y="4143095"/>
-            <a:ext cx="3333436" cy="1938992"/>
+            <a:off x="6972929" y="3548155"/>
+            <a:ext cx="4483631" cy="1569660"/>
           </a:xfrm>
           <a:prstGeom prst="rect">
             <a:avLst/>
@@ -6609,22 +6477,8 @@
           <a:lstStyle/>
           <a:p>
             <a:r>
-              <a:rPr lang="fr-FR" sz="1200" b="1" u="sng" dirty="0"/>
-              <a:t>Etape 3</a:t>
-            </a:r>
-          </a:p>
-          <a:p>
-            <a:r>
-              <a:rPr lang="fr-FR" sz="1200" dirty="0"/>
-              <a:t>On reçoit </a:t>
-            </a:r>
-            <a:r>
-              <a:rPr lang="fr-FR" sz="1200" dirty="0" err="1"/>
-              <a:t>l’id</a:t>
-            </a:r>
-            <a:r>
-              <a:rPr lang="fr-FR" sz="1200" dirty="0"/>
-              <a:t> qui nous permet d’aller chercher la donnée dans Redis. On traite le message et renvoie un event à toutes les API frontales</a:t>
+              <a:rPr lang="fr-FR" sz="2400" b="1" u="sng" dirty="0"/>
+              <a:t>Step 3</a:t>
             </a:r>
           </a:p>
           <a:p>
@@ -6639,57 +6493,7 @@
                   </a:schemeClr>
                 </a:solidFill>
               </a:rPr>
-              <a:t>HTTP POST /</a:t>
-            </a:r>
-            <a:r>
-              <a:rPr lang="fr-FR" sz="1200" dirty="0" err="1">
-                <a:solidFill>
-                  <a:schemeClr val="accent6">
-                    <a:lumMod val="75000"/>
-                  </a:schemeClr>
-                </a:solidFill>
-              </a:rPr>
-              <a:t>publish</a:t>
-            </a:r>
-            <a:r>
-              <a:rPr lang="fr-FR" sz="1200" dirty="0">
-                <a:solidFill>
-                  <a:schemeClr val="accent6">
-                    <a:lumMod val="75000"/>
-                  </a:schemeClr>
-                </a:solidFill>
-              </a:rPr>
-              <a:t>-event/</a:t>
-            </a:r>
-            <a:r>
-              <a:rPr lang="fr-FR" sz="1200" dirty="0" err="1">
-                <a:solidFill>
-                  <a:schemeClr val="accent6">
-                    <a:lumMod val="75000"/>
-                  </a:schemeClr>
-                </a:solidFill>
-              </a:rPr>
-              <a:t>ia-worker</a:t>
-            </a:r>
-            <a:r>
-              <a:rPr lang="fr-FR" sz="1200" dirty="0">
-                <a:solidFill>
-                  <a:schemeClr val="accent6">
-                    <a:lumMod val="75000"/>
-                  </a:schemeClr>
-                </a:solidFill>
-              </a:rPr>
-              <a:t>/</a:t>
-            </a:r>
-            <a:r>
-              <a:rPr lang="fr-FR" sz="1200" dirty="0" err="1">
-                <a:solidFill>
-                  <a:schemeClr val="accent6">
-                    <a:lumMod val="75000"/>
-                  </a:schemeClr>
-                </a:solidFill>
-              </a:rPr>
-              <a:t>transcribe</a:t>
+              <a:t>HTTP POST /publish-event/ia-worker/transcript/transcript-callback</a:t>
             </a:r>
             <a:br>
               <a:rPr lang="fr-FR" sz="1200" dirty="0">
@@ -6708,25 +6512,8 @@
                   </a:schemeClr>
                 </a:solidFill>
               </a:rPr>
-              <a:t>- </a:t>
-            </a:r>
-            <a:r>
-              <a:rPr lang="fr-FR" sz="1200" dirty="0" err="1">
-                <a:solidFill>
-                  <a:schemeClr val="accent6">
-                    <a:lumMod val="75000"/>
-                  </a:schemeClr>
-                </a:solidFill>
-              </a:rPr>
-              <a:t>Transciption</a:t>
-            </a:r>
-            <a:endParaRPr lang="fr-FR" sz="1200" dirty="0">
-              <a:solidFill>
-                <a:schemeClr val="accent6">
-                  <a:lumMod val="75000"/>
-                </a:schemeClr>
-              </a:solidFill>
-            </a:endParaRPr>
+              <a:t>- Transcription</a:t>
+            </a:r>
           </a:p>
           <a:p>
             <a:r>
@@ -6737,25 +6524,8 @@
                   </a:schemeClr>
                 </a:solidFill>
               </a:rPr>
-              <a:t>- Index du </a:t>
-            </a:r>
-            <a:r>
-              <a:rPr lang="fr-FR" sz="1200" dirty="0" err="1">
-                <a:solidFill>
-                  <a:schemeClr val="accent6">
-                    <a:lumMod val="75000"/>
-                  </a:schemeClr>
-                </a:solidFill>
-              </a:rPr>
-              <a:t>chunk</a:t>
-            </a:r>
-            <a:endParaRPr lang="fr-FR" sz="1200" dirty="0">
-              <a:solidFill>
-                <a:schemeClr val="accent6">
-                  <a:lumMod val="75000"/>
-                </a:schemeClr>
-              </a:solidFill>
-            </a:endParaRPr>
+              <a:t>- Index du chunk</a:t>
+            </a:r>
           </a:p>
           <a:p>
             <a:r>
@@ -6766,25 +6536,8 @@
                   </a:schemeClr>
                 </a:solidFill>
               </a:rPr>
-              <a:t>- </a:t>
-            </a:r>
-            <a:r>
-              <a:rPr lang="fr-FR" sz="1200" dirty="0" err="1">
-                <a:solidFill>
-                  <a:schemeClr val="accent6">
-                    <a:lumMod val="75000"/>
-                  </a:schemeClr>
-                </a:solidFill>
-              </a:rPr>
-              <a:t>clientID</a:t>
-            </a:r>
-            <a:endParaRPr lang="fr-FR" sz="1200" dirty="0">
-              <a:solidFill>
-                <a:schemeClr val="accent6">
-                  <a:lumMod val="75000"/>
-                </a:schemeClr>
-              </a:solidFill>
-            </a:endParaRPr>
+              <a:t>- clientID</a:t>
+            </a:r>
           </a:p>
           <a:p>
             <a:endParaRPr lang="fr-FR" sz="1200" dirty="0"/>
@@ -7036,8 +6789,8 @@
         </p:nvSpPr>
         <p:spPr>
           <a:xfrm>
-            <a:off x="3811492" y="4361519"/>
-            <a:ext cx="2744069" cy="1384995"/>
+            <a:off x="3256769" y="3209405"/>
+            <a:ext cx="1120723" cy="461665"/>
           </a:xfrm>
           <a:prstGeom prst="rect">
             <a:avLst/>
@@ -7051,29 +6804,151 @@
           <a:lstStyle/>
           <a:p>
             <a:r>
-              <a:rPr lang="fr-FR" sz="1200" b="1" u="sng" dirty="0"/>
-              <a:t>Etape 4</a:t>
-            </a:r>
-          </a:p>
-          <a:p>
-            <a:r>
-              <a:rPr lang="fr-FR" sz="1200" dirty="0"/>
-              <a:t>La transcription est renvoyé au front web. Le front web via un event, il peux recevoir les messages dans le désordre. Comme il reçoit le </a:t>
-            </a:r>
-            <a:r>
-              <a:rPr lang="fr-FR" sz="1200" dirty="0" err="1"/>
-              <a:t>chunk</a:t>
-            </a:r>
-            <a:r>
-              <a:rPr lang="fr-FR" sz="1200" dirty="0"/>
-              <a:t> index il peut réordonner le texte si besoin. </a:t>
-            </a:r>
-          </a:p>
-          <a:p>
-            <a:endParaRPr lang="fr-FR" sz="1200" dirty="0"/>
-          </a:p>
-        </p:txBody>
-      </p:sp>
+              <a:rPr lang="fr-FR" sz="2400" b="1" u="sng" dirty="0"/>
+              <a:t>Step 4</a:t>
+            </a:r>
+          </a:p>
+        </p:txBody>
+      </p:sp>
+      <p:sp>
+        <p:nvSpPr>
+          <p:cNvPr id="2" name="Rectangle 1">
+            <a:extLst>
+              <a:ext uri="{FF2B5EF4-FFF2-40B4-BE49-F238E27FC236}">
+                <a16:creationId xmlns:a16="http://schemas.microsoft.com/office/drawing/2014/main" id="{5DC2277A-158F-5E95-0358-8A179A0F6758}"/>
+              </a:ext>
+            </a:extLst>
+          </p:cNvPr>
+          <p:cNvSpPr/>
+          <p:nvPr/>
+        </p:nvSpPr>
+        <p:spPr>
+          <a:xfrm>
+            <a:off x="2665425" y="2383055"/>
+            <a:ext cx="1030942" cy="735106"/>
+          </a:xfrm>
+          <a:prstGeom prst="rect">
+            <a:avLst/>
+          </a:prstGeom>
+        </p:spPr>
+        <p:style>
+          <a:lnRef idx="2">
+            <a:schemeClr val="accent1">
+              <a:shade val="15000"/>
+            </a:schemeClr>
+          </a:lnRef>
+          <a:fillRef idx="1">
+            <a:schemeClr val="accent1"/>
+          </a:fillRef>
+          <a:effectRef idx="0">
+            <a:schemeClr val="accent1"/>
+          </a:effectRef>
+          <a:fontRef idx="minor">
+            <a:schemeClr val="lt1"/>
+          </a:fontRef>
+        </p:style>
+        <p:txBody>
+          <a:bodyPr rtlCol="0" anchor="ctr"/>
+          <a:lstStyle/>
+          <a:p>
+            <a:pPr algn="ctr"/>
+            <a:r>
+              <a:rPr lang="fr-FR" dirty="0"/>
+              <a:t>Slimfaas</a:t>
+            </a:r>
+          </a:p>
+        </p:txBody>
+      </p:sp>
+      <p:cxnSp>
+        <p:nvCxnSpPr>
+          <p:cNvPr id="9" name="Connecteur droit avec flèche 8">
+            <a:extLst>
+              <a:ext uri="{FF2B5EF4-FFF2-40B4-BE49-F238E27FC236}">
+                <a16:creationId xmlns:a16="http://schemas.microsoft.com/office/drawing/2014/main" id="{E1A1F31B-16A1-EE14-3F3B-7C5902D157EA}"/>
+              </a:ext>
+            </a:extLst>
+          </p:cNvPr>
+          <p:cNvCxnSpPr>
+            <a:cxnSpLocks/>
+          </p:cNvCxnSpPr>
+          <p:nvPr/>
+        </p:nvCxnSpPr>
+        <p:spPr>
+          <a:xfrm>
+            <a:off x="3677225" y="2606013"/>
+            <a:ext cx="753699" cy="0"/>
+          </a:xfrm>
+          <a:prstGeom prst="straightConnector1">
+            <a:avLst/>
+          </a:prstGeom>
+          <a:ln w="25400">
+            <a:solidFill>
+              <a:srgbClr val="00B050"/>
+            </a:solidFill>
+            <a:headEnd type="none"/>
+            <a:tailEnd type="triangle"/>
+          </a:ln>
+        </p:spPr>
+        <p:style>
+          <a:lnRef idx="1">
+            <a:schemeClr val="accent1"/>
+          </a:lnRef>
+          <a:fillRef idx="0">
+            <a:schemeClr val="accent1"/>
+          </a:fillRef>
+          <a:effectRef idx="0">
+            <a:schemeClr val="accent1"/>
+          </a:effectRef>
+          <a:fontRef idx="minor">
+            <a:schemeClr val="tx1"/>
+          </a:fontRef>
+        </p:style>
+      </p:cxnSp>
+      <p:cxnSp>
+        <p:nvCxnSpPr>
+          <p:cNvPr id="19" name="Connecteur droit avec flèche 18">
+            <a:extLst>
+              <a:ext uri="{FF2B5EF4-FFF2-40B4-BE49-F238E27FC236}">
+                <a16:creationId xmlns:a16="http://schemas.microsoft.com/office/drawing/2014/main" id="{9C204BF2-02FF-1141-A6C3-A8A55E02F882}"/>
+              </a:ext>
+            </a:extLst>
+          </p:cNvPr>
+          <p:cNvCxnSpPr>
+            <a:cxnSpLocks/>
+          </p:cNvCxnSpPr>
+          <p:nvPr/>
+        </p:nvCxnSpPr>
+        <p:spPr>
+          <a:xfrm flipH="1">
+            <a:off x="3677225" y="2966718"/>
+            <a:ext cx="751137" cy="0"/>
+          </a:xfrm>
+          <a:prstGeom prst="straightConnector1">
+            <a:avLst/>
+          </a:prstGeom>
+          <a:ln w="25400">
+            <a:solidFill>
+              <a:srgbClr val="00B050"/>
+            </a:solidFill>
+            <a:headEnd type="none"/>
+            <a:tailEnd type="triangle"/>
+          </a:ln>
+        </p:spPr>
+        <p:style>
+          <a:lnRef idx="1">
+            <a:schemeClr val="accent1"/>
+          </a:lnRef>
+          <a:fillRef idx="0">
+            <a:schemeClr val="accent1"/>
+          </a:fillRef>
+          <a:effectRef idx="0">
+            <a:schemeClr val="accent1"/>
+          </a:effectRef>
+          <a:fontRef idx="minor">
+            <a:schemeClr val="tx1"/>
+          </a:fontRef>
+        </p:style>
+      </p:cxnSp>
     </p:spTree>
     <p:extLst>
       <p:ext uri="{BB962C8B-B14F-4D97-AF65-F5344CB8AC3E}">

--- a/documentation/Architecture.pptx
+++ b/documentation/Architecture.pptx
@@ -262,7 +262,7 @@
           <a:p>
             <a:fld id="{2FADB740-130C-40E2-9E3D-8BF44594D57F}" type="datetimeFigureOut">
               <a:rPr lang="fr-FR" smtClean="0"/>
-              <a:t>01/11/2024</a:t>
+              <a:t>04/10/2025</a:t>
             </a:fld>
             <a:endParaRPr lang="fr-FR"/>
           </a:p>
@@ -460,7 +460,7 @@
           <a:p>
             <a:fld id="{2FADB740-130C-40E2-9E3D-8BF44594D57F}" type="datetimeFigureOut">
               <a:rPr lang="fr-FR" smtClean="0"/>
-              <a:t>01/11/2024</a:t>
+              <a:t>04/10/2025</a:t>
             </a:fld>
             <a:endParaRPr lang="fr-FR"/>
           </a:p>
@@ -668,7 +668,7 @@
           <a:p>
             <a:fld id="{2FADB740-130C-40E2-9E3D-8BF44594D57F}" type="datetimeFigureOut">
               <a:rPr lang="fr-FR" smtClean="0"/>
-              <a:t>01/11/2024</a:t>
+              <a:t>04/10/2025</a:t>
             </a:fld>
             <a:endParaRPr lang="fr-FR"/>
           </a:p>
@@ -866,7 +866,7 @@
           <a:p>
             <a:fld id="{2FADB740-130C-40E2-9E3D-8BF44594D57F}" type="datetimeFigureOut">
               <a:rPr lang="fr-FR" smtClean="0"/>
-              <a:t>01/11/2024</a:t>
+              <a:t>04/10/2025</a:t>
             </a:fld>
             <a:endParaRPr lang="fr-FR"/>
           </a:p>
@@ -1141,7 +1141,7 @@
           <a:p>
             <a:fld id="{2FADB740-130C-40E2-9E3D-8BF44594D57F}" type="datetimeFigureOut">
               <a:rPr lang="fr-FR" smtClean="0"/>
-              <a:t>01/11/2024</a:t>
+              <a:t>04/10/2025</a:t>
             </a:fld>
             <a:endParaRPr lang="fr-FR"/>
           </a:p>
@@ -1406,7 +1406,7 @@
           <a:p>
             <a:fld id="{2FADB740-130C-40E2-9E3D-8BF44594D57F}" type="datetimeFigureOut">
               <a:rPr lang="fr-FR" smtClean="0"/>
-              <a:t>01/11/2024</a:t>
+              <a:t>04/10/2025</a:t>
             </a:fld>
             <a:endParaRPr lang="fr-FR"/>
           </a:p>
@@ -1818,7 +1818,7 @@
           <a:p>
             <a:fld id="{2FADB740-130C-40E2-9E3D-8BF44594D57F}" type="datetimeFigureOut">
               <a:rPr lang="fr-FR" smtClean="0"/>
-              <a:t>01/11/2024</a:t>
+              <a:t>04/10/2025</a:t>
             </a:fld>
             <a:endParaRPr lang="fr-FR"/>
           </a:p>
@@ -1959,7 +1959,7 @@
           <a:p>
             <a:fld id="{2FADB740-130C-40E2-9E3D-8BF44594D57F}" type="datetimeFigureOut">
               <a:rPr lang="fr-FR" smtClean="0"/>
-              <a:t>01/11/2024</a:t>
+              <a:t>04/10/2025</a:t>
             </a:fld>
             <a:endParaRPr lang="fr-FR"/>
           </a:p>
@@ -2072,7 +2072,7 @@
           <a:p>
             <a:fld id="{2FADB740-130C-40E2-9E3D-8BF44594D57F}" type="datetimeFigureOut">
               <a:rPr lang="fr-FR" smtClean="0"/>
-              <a:t>01/11/2024</a:t>
+              <a:t>04/10/2025</a:t>
             </a:fld>
             <a:endParaRPr lang="fr-FR"/>
           </a:p>
@@ -2383,7 +2383,7 @@
           <a:p>
             <a:fld id="{2FADB740-130C-40E2-9E3D-8BF44594D57F}" type="datetimeFigureOut">
               <a:rPr lang="fr-FR" smtClean="0"/>
-              <a:t>01/11/2024</a:t>
+              <a:t>04/10/2025</a:t>
             </a:fld>
             <a:endParaRPr lang="fr-FR"/>
           </a:p>
@@ -2671,7 +2671,7 @@
           <a:p>
             <a:fld id="{2FADB740-130C-40E2-9E3D-8BF44594D57F}" type="datetimeFigureOut">
               <a:rPr lang="fr-FR" smtClean="0"/>
-              <a:t>01/11/2024</a:t>
+              <a:t>04/10/2025</a:t>
             </a:fld>
             <a:endParaRPr lang="fr-FR"/>
           </a:p>
@@ -2912,7 +2912,7 @@
           <a:p>
             <a:fld id="{2FADB740-130C-40E2-9E3D-8BF44594D57F}" type="datetimeFigureOut">
               <a:rPr lang="fr-FR" smtClean="0"/>
-              <a:t>01/11/2024</a:t>
+              <a:t>04/10/2025</a:t>
             </a:fld>
             <a:endParaRPr lang="fr-FR"/>
           </a:p>
@@ -3005,6 +3005,56 @@
               <a:t>‹N°›</a:t>
             </a:fld>
             <a:endParaRPr lang="fr-FR"/>
+          </a:p>
+        </p:txBody>
+      </p:sp>
+      <p:sp>
+        <p:nvSpPr>
+          <p:cNvPr id="8" name="ZoneTexte 7">
+            <a:extLst>
+              <a:ext uri="{FF2B5EF4-FFF2-40B4-BE49-F238E27FC236}">
+                <a16:creationId xmlns:a16="http://schemas.microsoft.com/office/drawing/2014/main" id="{47412948-221C-46F0-389F-F4F1ECCE7DAE}"/>
+              </a:ext>
+            </a:extLst>
+          </p:cNvPr>
+          <p:cNvSpPr txBox="1"/>
+          <p:nvPr userDrawn="1">
+            <p:extLst>
+              <p:ext uri="{1162E1C5-73C7-4A58-AE30-91384D911F3F}">
+                <p184:classification xmlns:p184="http://schemas.microsoft.com/office/powerpoint/2018/4/main" val="ftr"/>
+              </p:ext>
+            </p:extLst>
+          </p:nvPr>
+        </p:nvSpPr>
+        <p:spPr>
+          <a:xfrm>
+            <a:off x="63500" y="6642100"/>
+            <a:ext cx="2563813" cy="152400"/>
+          </a:xfrm>
+          <a:prstGeom prst="rect">
+            <a:avLst/>
+          </a:prstGeom>
+        </p:spPr>
+        <p:txBody>
+          <a:bodyPr horzOverflow="overflow" lIns="0" tIns="0" rIns="0" bIns="0">
+            <a:spAutoFit/>
+          </a:bodyPr>
+          <a:lstStyle/>
+          <a:p>
+            <a:pPr algn="l"/>
+            <a:r>
+              <a:rPr lang="fr-FR" sz="1000">
+                <a:solidFill>
+                  <a:srgbClr val="000000">
+                    <a:alpha val="50000"/>
+                  </a:srgbClr>
+                </a:solidFill>
+                <a:latin typeface="Calibri" panose="020F0502020204030204" pitchFamily="34" charset="0"/>
+                <a:ea typeface="Calibri" panose="020F0502020204030204" pitchFamily="34" charset="0"/>
+                <a:cs typeface="Calibri" panose="020F0502020204030204" pitchFamily="34" charset="0"/>
+              </a:rPr>
+              <a:t>  Classification : Confidentiel - Donnée Entreprise </a:t>
+            </a:r>
           </a:p>
         </p:txBody>
       </p:sp>
@@ -5497,8 +5547,8 @@
         </p:nvSpPr>
         <p:spPr>
           <a:xfrm>
-            <a:off x="1074487" y="3496050"/>
-            <a:ext cx="1328154" cy="276999"/>
+            <a:off x="1201434" y="3056915"/>
+            <a:ext cx="1328154" cy="461665"/>
           </a:xfrm>
           <a:prstGeom prst="rect">
             <a:avLst/>
@@ -5513,7 +5563,7 @@
           <a:p>
             <a:r>
               <a:rPr lang="fr-FR" sz="1200" dirty="0"/>
-              <a:t>HTTP EventSource </a:t>
+              <a:t>HTTP Server Send Events </a:t>
             </a:r>
           </a:p>
         </p:txBody>
@@ -6021,7 +6071,7 @@
                   </a:schemeClr>
                 </a:solidFill>
               </a:rPr>
-              <a:t>Bytes du son</a:t>
+              <a:t>Sound Bytes </a:t>
             </a:r>
           </a:p>
           <a:p>
@@ -6029,6 +6079,16 @@
               <a:buFontTx/>
               <a:buChar char="-"/>
             </a:pPr>
+            <a:r>
+              <a:rPr lang="fr-FR" sz="1200" dirty="0" err="1">
+                <a:solidFill>
+                  <a:schemeClr val="accent6">
+                    <a:lumMod val="75000"/>
+                  </a:schemeClr>
+                </a:solidFill>
+              </a:rPr>
+              <a:t>Chunk</a:t>
+            </a:r>
             <a:r>
               <a:rPr lang="fr-FR" sz="1200" dirty="0">
                 <a:solidFill>
@@ -6037,7 +6097,7 @@
                   </a:schemeClr>
                 </a:solidFill>
               </a:rPr>
-              <a:t>Index du chunk</a:t>
+              <a:t> Index</a:t>
             </a:r>
           </a:p>
           <a:p>
